--- a/Docs/intro.pptx
+++ b/Docs/intro.pptx
@@ -5,10 +5,10 @@
     <p:sldMasterId id="2147483648" r:id="rId4"/>
   </p:sldMasterIdLst>
   <p:notesMasterIdLst>
-    <p:notesMasterId r:id="rId18"/>
+    <p:notesMasterId r:id="rId19"/>
   </p:notesMasterIdLst>
   <p:handoutMasterIdLst>
-    <p:handoutMasterId r:id="rId19"/>
+    <p:handoutMasterId r:id="rId20"/>
   </p:handoutMasterIdLst>
   <p:sldIdLst>
     <p:sldId id="256" r:id="rId5"/>
@@ -24,6 +24,7 @@
     <p:sldId id="281" r:id="rId15"/>
     <p:sldId id="277" r:id="rId16"/>
     <p:sldId id="270" r:id="rId17"/>
+    <p:sldId id="283" r:id="rId18"/>
   </p:sldIdLst>
   <p:sldSz cx="12192000" cy="6858000"/>
   <p:notesSz cx="6858000" cy="9144000"/>
@@ -18326,7 +18327,7 @@
           <a:p>
             <a:fld id="{23CEAAF3-9831-450B-8D59-2C09DB96C8FC}" type="datetimeFigureOut">
               <a:rPr lang="en-US"/>
-              <a:t>7/5/2021</a:t>
+              <a:t>7/22/2021</a:t>
             </a:fld>
             <a:endParaRPr/>
           </a:p>
@@ -18491,7 +18492,7 @@
           <a:p>
             <a:fld id="{2D50CD79-FC16-4410-AB61-17F26E6D3BC8}" type="datetimeFigureOut">
               <a:rPr lang="en-US"/>
-              <a:t>7/5/2021</a:t>
+              <a:t>7/22/2021</a:t>
             </a:fld>
             <a:endParaRPr/>
           </a:p>
@@ -19020,6 +19021,90 @@
 </p:notes>
 </file>
 
+<file path=ppt/notesSlides/notesSlide4.xml><?xml version="1.0" encoding="utf-8"?>
+<p:notes xmlns:a="http://schemas.openxmlformats.org/drawingml/2006/main" xmlns:r="http://schemas.openxmlformats.org/officeDocument/2006/relationships" xmlns:p="http://schemas.openxmlformats.org/presentationml/2006/main">
+  <p:cSld>
+    <p:spTree>
+      <p:nvGrpSpPr>
+        <p:cNvPr id="1" name=""/>
+        <p:cNvGrpSpPr/>
+        <p:nvPr/>
+      </p:nvGrpSpPr>
+      <p:grpSpPr>
+        <a:xfrm>
+          <a:off x="0" y="0"/>
+          <a:ext cx="0" cy="0"/>
+          <a:chOff x="0" y="0"/>
+          <a:chExt cx="0" cy="0"/>
+        </a:xfrm>
+      </p:grpSpPr>
+      <p:sp>
+        <p:nvSpPr>
+          <p:cNvPr id="2" name="Slide Image Placeholder 1"/>
+          <p:cNvSpPr>
+            <a:spLocks noGrp="1" noRot="1" noChangeAspect="1"/>
+          </p:cNvSpPr>
+          <p:nvPr>
+            <p:ph type="sldImg"/>
+          </p:nvPr>
+        </p:nvSpPr>
+        <p:spPr/>
+      </p:sp>
+      <p:sp>
+        <p:nvSpPr>
+          <p:cNvPr id="3" name="Notes Placeholder 2"/>
+          <p:cNvSpPr>
+            <a:spLocks noGrp="1"/>
+          </p:cNvSpPr>
+          <p:nvPr>
+            <p:ph type="body" idx="1"/>
+          </p:nvPr>
+        </p:nvSpPr>
+        <p:spPr/>
+        <p:txBody>
+          <a:bodyPr/>
+          <a:lstStyle/>
+          <a:p>
+            <a:endParaRPr lang="en-US"/>
+          </a:p>
+        </p:txBody>
+      </p:sp>
+      <p:sp>
+        <p:nvSpPr>
+          <p:cNvPr id="4" name="Slide Number Placeholder 3"/>
+          <p:cNvSpPr>
+            <a:spLocks noGrp="1"/>
+          </p:cNvSpPr>
+          <p:nvPr>
+            <p:ph type="sldNum" sz="quarter" idx="5"/>
+          </p:nvPr>
+        </p:nvSpPr>
+        <p:spPr/>
+        <p:txBody>
+          <a:bodyPr/>
+          <a:lstStyle/>
+          <a:p>
+            <a:fld id="{0A3C37BE-C303-496D-B5CD-85F2937540FC}" type="slidenum">
+              <a:rPr lang="en-US" smtClean="0"/>
+              <a:t>14</a:t>
+            </a:fld>
+            <a:endParaRPr lang="en-US"/>
+          </a:p>
+        </p:txBody>
+      </p:sp>
+    </p:spTree>
+    <p:extLst>
+      <p:ext uri="{BB962C8B-B14F-4D97-AF65-F5344CB8AC3E}">
+        <p14:creationId xmlns:p14="http://schemas.microsoft.com/office/powerpoint/2010/main" val="1366037701"/>
+      </p:ext>
+    </p:extLst>
+  </p:cSld>
+  <p:clrMapOvr>
+    <a:masterClrMapping/>
+  </p:clrMapOvr>
+</p:notes>
+</file>
+
 <file path=ppt/slideLayouts/slideLayout1.xml><?xml version="1.0" encoding="utf-8"?>
 <p:sldLayout xmlns:a="http://schemas.openxmlformats.org/drawingml/2006/main" xmlns:r="http://schemas.openxmlformats.org/officeDocument/2006/relationships" xmlns:p="http://schemas.openxmlformats.org/presentationml/2006/main" showMasterSp="0" type="title" preserve="1">
   <p:cSld name="Title Slide">
@@ -19301,7 +19386,7 @@
             <a:fld id="{402B9795-92DC-40DC-A1CA-9A4B349D7824}" type="datetimeFigureOut">
               <a:rPr lang="en-US" smtClean="0"/>
               <a:pPr/>
-              <a:t>7/5/2021</a:t>
+              <a:t>7/22/2021</a:t>
             </a:fld>
             <a:endParaRPr lang="en-US" dirty="0"/>
           </a:p>
@@ -19595,7 +19680,7 @@
           <a:p>
             <a:fld id="{402B9795-92DC-40DC-A1CA-9A4B349D7824}" type="datetimeFigureOut">
               <a:rPr lang="en-US"/>
-              <a:t>7/5/2021</a:t>
+              <a:t>7/22/2021</a:t>
             </a:fld>
             <a:endParaRPr/>
           </a:p>
@@ -19777,7 +19862,7 @@
           <a:p>
             <a:fld id="{402B9795-92DC-40DC-A1CA-9A4B349D7824}" type="datetimeFigureOut">
               <a:rPr lang="en-US"/>
-              <a:t>7/5/2021</a:t>
+              <a:t>7/22/2021</a:t>
             </a:fld>
             <a:endParaRPr/>
           </a:p>
@@ -19969,7 +20054,7 @@
           <a:p>
             <a:fld id="{402B9795-92DC-40DC-A1CA-9A4B349D7824}" type="datetimeFigureOut">
               <a:rPr lang="en-US"/>
-              <a:t>7/5/2021</a:t>
+              <a:t>7/22/2021</a:t>
             </a:fld>
             <a:endParaRPr/>
           </a:p>
@@ -20238,7 +20323,7 @@
           <a:p>
             <a:fld id="{402B9795-92DC-40DC-A1CA-9A4B349D7824}" type="datetimeFigureOut">
               <a:rPr lang="en-US"/>
-              <a:t>7/5/2021</a:t>
+              <a:t>7/22/2021</a:t>
             </a:fld>
             <a:endParaRPr/>
           </a:p>
@@ -21267,7 +21352,7 @@
           <a:p>
             <a:fld id="{402B9795-92DC-40DC-A1CA-9A4B349D7824}" type="datetimeFigureOut">
               <a:rPr lang="en-US"/>
-              <a:t>7/5/2021</a:t>
+              <a:t>7/22/2021</a:t>
             </a:fld>
             <a:endParaRPr/>
           </a:p>
@@ -21540,7 +21625,7 @@
           <a:p>
             <a:fld id="{402B9795-92DC-40DC-A1CA-9A4B349D7824}" type="datetimeFigureOut">
               <a:rPr lang="en-US"/>
-              <a:t>7/5/2021</a:t>
+              <a:t>7/22/2021</a:t>
             </a:fld>
             <a:endParaRPr/>
           </a:p>
@@ -21920,7 +22005,7 @@
           <a:p>
             <a:fld id="{402B9795-92DC-40DC-A1CA-9A4B349D7824}" type="datetimeFigureOut">
               <a:rPr lang="en-US"/>
-              <a:t>7/5/2021</a:t>
+              <a:t>7/22/2021</a:t>
             </a:fld>
             <a:endParaRPr/>
           </a:p>
@@ -22050,7 +22135,7 @@
           <a:p>
             <a:fld id="{402B9795-92DC-40DC-A1CA-9A4B349D7824}" type="datetimeFigureOut">
               <a:rPr lang="en-US"/>
-              <a:t>7/5/2021</a:t>
+              <a:t>7/22/2021</a:t>
             </a:fld>
             <a:endParaRPr/>
           </a:p>
@@ -22157,7 +22242,7 @@
           <a:p>
             <a:fld id="{402B9795-92DC-40DC-A1CA-9A4B349D7824}" type="datetimeFigureOut">
               <a:rPr lang="en-US"/>
-              <a:t>7/5/2021</a:t>
+              <a:t>7/22/2021</a:t>
             </a:fld>
             <a:endParaRPr/>
           </a:p>
@@ -22448,7 +22533,7 @@
           <a:p>
             <a:fld id="{402B9795-92DC-40DC-A1CA-9A4B349D7824}" type="datetimeFigureOut">
               <a:rPr lang="en-US"/>
-              <a:t>7/5/2021</a:t>
+              <a:t>7/22/2021</a:t>
             </a:fld>
             <a:endParaRPr/>
           </a:p>
@@ -22674,7 +22759,7 @@
             <a:fld id="{402B9795-92DC-40DC-A1CA-9A4B349D7824}" type="datetimeFigureOut">
               <a:rPr lang="en-US" smtClean="0"/>
               <a:pPr/>
-              <a:t>7/5/2021</a:t>
+              <a:t>7/22/2021</a:t>
             </a:fld>
             <a:endParaRPr lang="en-US"/>
           </a:p>
@@ -24563,6 +24648,1126 @@
                 <a:latin typeface="微软雅黑" panose="020B0503020204020204" pitchFamily="34" charset="-122"/>
                 <a:ea typeface="微软雅黑" panose="020B0503020204020204" pitchFamily="34" charset="-122"/>
               </a:rPr>
+              <a:t>应用案例三：城乡互通交易平台（设想）</a:t>
+            </a:r>
+            <a:endParaRPr lang="en-US" dirty="0">
+              <a:solidFill>
+                <a:srgbClr val="C00000"/>
+              </a:solidFill>
+              <a:latin typeface="微软雅黑" panose="020B0503020204020204" pitchFamily="34" charset="-122"/>
+              <a:ea typeface="微软雅黑" panose="020B0503020204020204" pitchFamily="34" charset="-122"/>
+            </a:endParaRPr>
+          </a:p>
+        </p:txBody>
+      </p:sp>
+      <p:sp>
+        <p:nvSpPr>
+          <p:cNvPr id="4" name="Content Placeholder 3">
+            <a:extLst>
+              <a:ext uri="{FF2B5EF4-FFF2-40B4-BE49-F238E27FC236}">
+                <a16:creationId xmlns:a16="http://schemas.microsoft.com/office/drawing/2014/main" id="{67112C76-1B2A-4D40-93C2-18F72DBF7C5D}"/>
+              </a:ext>
+            </a:extLst>
+          </p:cNvPr>
+          <p:cNvSpPr>
+            <a:spLocks noGrp="1"/>
+          </p:cNvSpPr>
+          <p:nvPr>
+            <p:ph sz="half" idx="2"/>
+          </p:nvPr>
+        </p:nvSpPr>
+        <p:spPr>
+          <a:xfrm>
+            <a:off x="5341620" y="1600200"/>
+            <a:ext cx="5745480" cy="4922520"/>
+          </a:xfrm>
+          <a:noFill/>
+        </p:spPr>
+        <p:txBody>
+          <a:bodyPr>
+            <a:normAutofit lnSpcReduction="10000"/>
+          </a:bodyPr>
+          <a:lstStyle/>
+          <a:p>
+            <a:pPr marL="0" indent="0">
+              <a:lnSpc>
+                <a:spcPct val="120000"/>
+              </a:lnSpc>
+              <a:buNone/>
+            </a:pPr>
+            <a:r>
+              <a:rPr lang="zh-CN" altLang="en-US" sz="1800" dirty="0">
+                <a:solidFill>
+                  <a:schemeClr val="accent6">
+                    <a:lumMod val="50000"/>
+                  </a:schemeClr>
+                </a:solidFill>
+                <a:latin typeface="微软雅黑" panose="020B0503020204020204" pitchFamily="34" charset="-122"/>
+                <a:ea typeface="微软雅黑" panose="020B0503020204020204" pitchFamily="34" charset="-122"/>
+              </a:rPr>
+              <a:t>以省或者地市为范围搭建节点，节点之间互联形成的商品交易和供应平台。相当于一个多中心化、无中介、批量交易、透明溯源的淘宝网。</a:t>
+            </a:r>
+            <a:endParaRPr lang="en-US" altLang="zh-CN" sz="1800" dirty="0">
+              <a:solidFill>
+                <a:schemeClr val="accent6">
+                  <a:lumMod val="50000"/>
+                </a:schemeClr>
+              </a:solidFill>
+              <a:latin typeface="微软雅黑" panose="020B0503020204020204" pitchFamily="34" charset="-122"/>
+              <a:ea typeface="微软雅黑" panose="020B0503020204020204" pitchFamily="34" charset="-122"/>
+            </a:endParaRPr>
+          </a:p>
+          <a:p>
+            <a:pPr marL="0" indent="0">
+              <a:lnSpc>
+                <a:spcPct val="120000"/>
+              </a:lnSpc>
+              <a:buNone/>
+            </a:pPr>
+            <a:r>
+              <a:rPr lang="zh-CN" altLang="en-US" sz="1800" b="1" dirty="0">
+                <a:latin typeface="微软雅黑" panose="020B0503020204020204" pitchFamily="34" charset="-122"/>
+                <a:ea typeface="微软雅黑" panose="020B0503020204020204" pitchFamily="34" charset="-122"/>
+              </a:rPr>
+              <a:t>多中心化</a:t>
+            </a:r>
+            <a:endParaRPr lang="en-US" altLang="zh-CN" sz="1800" b="1" dirty="0">
+              <a:latin typeface="微软雅黑" panose="020B0503020204020204" pitchFamily="34" charset="-122"/>
+              <a:ea typeface="微软雅黑" panose="020B0503020204020204" pitchFamily="34" charset="-122"/>
+            </a:endParaRPr>
+          </a:p>
+          <a:p>
+            <a:pPr marL="0" indent="0">
+              <a:lnSpc>
+                <a:spcPct val="120000"/>
+              </a:lnSpc>
+              <a:spcBef>
+                <a:spcPts val="1200"/>
+              </a:spcBef>
+              <a:buNone/>
+            </a:pPr>
+            <a:r>
+              <a:rPr lang="zh-CN" altLang="en-US" sz="1800" dirty="0">
+                <a:solidFill>
+                  <a:schemeClr val="tx2"/>
+                </a:solidFill>
+                <a:latin typeface="微软雅黑" panose="020B0503020204020204" pitchFamily="34" charset="-122"/>
+                <a:ea typeface="微软雅黑" panose="020B0503020204020204" pitchFamily="34" charset="-122"/>
+              </a:rPr>
+              <a:t>没有单一的中心及复杂的后台，每个地域设立一个节点，支持节点内以及跨节点的商品交易。产品展示和搜索都遵循本地优先策略</a:t>
+            </a:r>
+            <a:endParaRPr lang="en-US" altLang="zh-CN" sz="1800" dirty="0">
+              <a:solidFill>
+                <a:schemeClr val="tx2"/>
+              </a:solidFill>
+              <a:latin typeface="微软雅黑" panose="020B0503020204020204" pitchFamily="34" charset="-122"/>
+              <a:ea typeface="微软雅黑" panose="020B0503020204020204" pitchFamily="34" charset="-122"/>
+            </a:endParaRPr>
+          </a:p>
+          <a:p>
+            <a:pPr marL="0" indent="0">
+              <a:buNone/>
+            </a:pPr>
+            <a:r>
+              <a:rPr lang="zh-CN" altLang="en-US" sz="1800" b="1" dirty="0">
+                <a:latin typeface="微软雅黑" panose="020B0503020204020204" pitchFamily="34" charset="-122"/>
+                <a:ea typeface="微软雅黑" panose="020B0503020204020204" pitchFamily="34" charset="-122"/>
+              </a:rPr>
+              <a:t>经营信用</a:t>
+            </a:r>
+            <a:endParaRPr lang="en-US" altLang="zh-CN" sz="1800" b="1" dirty="0">
+              <a:latin typeface="微软雅黑" panose="020B0503020204020204" pitchFamily="34" charset="-122"/>
+              <a:ea typeface="微软雅黑" panose="020B0503020204020204" pitchFamily="34" charset="-122"/>
+            </a:endParaRPr>
+          </a:p>
+          <a:p>
+            <a:pPr marL="0" indent="0">
+              <a:lnSpc>
+                <a:spcPct val="120000"/>
+              </a:lnSpc>
+              <a:spcBef>
+                <a:spcPts val="1200"/>
+              </a:spcBef>
+              <a:buNone/>
+            </a:pPr>
+            <a:r>
+              <a:rPr lang="zh-CN" altLang="en-US" sz="1800" dirty="0">
+                <a:solidFill>
+                  <a:schemeClr val="tx2"/>
+                </a:solidFill>
+                <a:latin typeface="微软雅黑" panose="020B0503020204020204" pitchFamily="34" charset="-122"/>
+                <a:ea typeface="微软雅黑" panose="020B0503020204020204" pitchFamily="34" charset="-122"/>
+              </a:rPr>
+              <a:t>没有交易中介，以共识算法和服务评价为依据积累经营信用，不可篡改</a:t>
+            </a:r>
+            <a:endParaRPr lang="en-US" altLang="zh-CN" sz="1800" dirty="0">
+              <a:solidFill>
+                <a:schemeClr val="tx2"/>
+              </a:solidFill>
+              <a:latin typeface="微软雅黑" panose="020B0503020204020204" pitchFamily="34" charset="-122"/>
+              <a:ea typeface="微软雅黑" panose="020B0503020204020204" pitchFamily="34" charset="-122"/>
+            </a:endParaRPr>
+          </a:p>
+          <a:p>
+            <a:pPr marL="0" indent="0">
+              <a:lnSpc>
+                <a:spcPct val="120000"/>
+              </a:lnSpc>
+              <a:spcBef>
+                <a:spcPts val="1200"/>
+              </a:spcBef>
+              <a:buNone/>
+            </a:pPr>
+            <a:r>
+              <a:rPr lang="zh-CN" altLang="en-US" sz="1800" b="1" dirty="0">
+                <a:solidFill>
+                  <a:schemeClr val="tx2"/>
+                </a:solidFill>
+                <a:latin typeface="微软雅黑" panose="020B0503020204020204" pitchFamily="34" charset="-122"/>
+                <a:ea typeface="微软雅黑" panose="020B0503020204020204" pitchFamily="34" charset="-122"/>
+              </a:rPr>
+              <a:t>透明溯源</a:t>
+            </a:r>
+            <a:endParaRPr lang="en-US" altLang="zh-CN" sz="1800" b="1" dirty="0">
+              <a:solidFill>
+                <a:schemeClr val="tx2"/>
+              </a:solidFill>
+              <a:latin typeface="微软雅黑" panose="020B0503020204020204" pitchFamily="34" charset="-122"/>
+              <a:ea typeface="微软雅黑" panose="020B0503020204020204" pitchFamily="34" charset="-122"/>
+            </a:endParaRPr>
+          </a:p>
+          <a:p>
+            <a:pPr marL="0" indent="0">
+              <a:lnSpc>
+                <a:spcPct val="120000"/>
+              </a:lnSpc>
+              <a:spcBef>
+                <a:spcPts val="1200"/>
+              </a:spcBef>
+              <a:buNone/>
+            </a:pPr>
+            <a:r>
+              <a:rPr lang="zh-CN" altLang="en-US" sz="1800" dirty="0">
+                <a:solidFill>
+                  <a:schemeClr val="tx2"/>
+                </a:solidFill>
+                <a:latin typeface="微软雅黑" panose="020B0503020204020204" pitchFamily="34" charset="-122"/>
+                <a:ea typeface="微软雅黑" panose="020B0503020204020204" pitchFamily="34" charset="-122"/>
+              </a:rPr>
+              <a:t>统一溯源机制，记录生产和流通环节真实轨迹</a:t>
+            </a:r>
+            <a:endParaRPr lang="en-US" sz="1800" dirty="0">
+              <a:solidFill>
+                <a:schemeClr val="tx2"/>
+              </a:solidFill>
+              <a:latin typeface="微软雅黑" panose="020B0503020204020204" pitchFamily="34" charset="-122"/>
+              <a:ea typeface="微软雅黑" panose="020B0503020204020204" pitchFamily="34" charset="-122"/>
+            </a:endParaRPr>
+          </a:p>
+        </p:txBody>
+      </p:sp>
+      <p:sp>
+        <p:nvSpPr>
+          <p:cNvPr id="7" name="Oval 6">
+            <a:extLst>
+              <a:ext uri="{FF2B5EF4-FFF2-40B4-BE49-F238E27FC236}">
+                <a16:creationId xmlns:a16="http://schemas.microsoft.com/office/drawing/2014/main" id="{5C71D28F-A600-4862-B77C-8442C3755ED6}"/>
+              </a:ext>
+            </a:extLst>
+          </p:cNvPr>
+          <p:cNvSpPr/>
+          <p:nvPr/>
+        </p:nvSpPr>
+        <p:spPr>
+          <a:xfrm>
+            <a:off x="1104900" y="3833178"/>
+            <a:ext cx="1330960" cy="1234440"/>
+          </a:xfrm>
+          <a:prstGeom prst="ellipse">
+            <a:avLst/>
+          </a:prstGeom>
+        </p:spPr>
+        <p:style>
+          <a:lnRef idx="2">
+            <a:schemeClr val="accent4"/>
+          </a:lnRef>
+          <a:fillRef idx="1">
+            <a:schemeClr val="lt1"/>
+          </a:fillRef>
+          <a:effectRef idx="0">
+            <a:schemeClr val="accent4"/>
+          </a:effectRef>
+          <a:fontRef idx="minor">
+            <a:schemeClr val="dk1"/>
+          </a:fontRef>
+        </p:style>
+        <p:txBody>
+          <a:bodyPr rtlCol="0" anchor="ctr"/>
+          <a:lstStyle/>
+          <a:p>
+            <a:pPr algn="ctr"/>
+            <a:r>
+              <a:rPr lang="zh-CN" altLang="en-US" sz="1400" dirty="0">
+                <a:solidFill>
+                  <a:schemeClr val="accent6">
+                    <a:lumMod val="50000"/>
+                  </a:schemeClr>
+                </a:solidFill>
+                <a:latin typeface="微软雅黑" panose="020B0503020204020204" pitchFamily="34" charset="-122"/>
+                <a:ea typeface="微软雅黑" panose="020B0503020204020204" pitchFamily="34" charset="-122"/>
+              </a:rPr>
+              <a:t>地域</a:t>
+            </a:r>
+            <a:r>
+              <a:rPr lang="zh-CN" altLang="en-US" sz="1400" dirty="0">
+                <a:latin typeface="微软雅黑" panose="020B0503020204020204" pitchFamily="34" charset="-122"/>
+                <a:ea typeface="微软雅黑" panose="020B0503020204020204" pitchFamily="34" charset="-122"/>
+              </a:rPr>
+              <a:t>节点</a:t>
+            </a:r>
+            <a:endParaRPr lang="en-US" sz="1400" dirty="0">
+              <a:latin typeface="微软雅黑" panose="020B0503020204020204" pitchFamily="34" charset="-122"/>
+              <a:ea typeface="微软雅黑" panose="020B0503020204020204" pitchFamily="34" charset="-122"/>
+            </a:endParaRPr>
+          </a:p>
+        </p:txBody>
+      </p:sp>
+      <p:sp>
+        <p:nvSpPr>
+          <p:cNvPr id="11" name="Oval 10">
+            <a:extLst>
+              <a:ext uri="{FF2B5EF4-FFF2-40B4-BE49-F238E27FC236}">
+                <a16:creationId xmlns:a16="http://schemas.microsoft.com/office/drawing/2014/main" id="{CA91517E-097C-4397-9E52-0F5B78383673}"/>
+              </a:ext>
+            </a:extLst>
+          </p:cNvPr>
+          <p:cNvSpPr/>
+          <p:nvPr/>
+        </p:nvSpPr>
+        <p:spPr>
+          <a:xfrm>
+            <a:off x="3088640" y="3886199"/>
+            <a:ext cx="1330960" cy="1234440"/>
+          </a:xfrm>
+          <a:prstGeom prst="ellipse">
+            <a:avLst/>
+          </a:prstGeom>
+        </p:spPr>
+        <p:style>
+          <a:lnRef idx="2">
+            <a:schemeClr val="accent4"/>
+          </a:lnRef>
+          <a:fillRef idx="1">
+            <a:schemeClr val="lt1"/>
+          </a:fillRef>
+          <a:effectRef idx="0">
+            <a:schemeClr val="accent4"/>
+          </a:effectRef>
+          <a:fontRef idx="minor">
+            <a:schemeClr val="dk1"/>
+          </a:fontRef>
+        </p:style>
+        <p:txBody>
+          <a:bodyPr rtlCol="0" anchor="ctr"/>
+          <a:lstStyle/>
+          <a:p>
+            <a:pPr algn="ctr"/>
+            <a:r>
+              <a:rPr lang="zh-CN" altLang="en-US" sz="1400" dirty="0">
+                <a:solidFill>
+                  <a:schemeClr val="accent6">
+                    <a:lumMod val="50000"/>
+                  </a:schemeClr>
+                </a:solidFill>
+                <a:latin typeface="微软雅黑" panose="020B0503020204020204" pitchFamily="34" charset="-122"/>
+                <a:ea typeface="微软雅黑" panose="020B0503020204020204" pitchFamily="34" charset="-122"/>
+              </a:rPr>
+              <a:t>地域</a:t>
+            </a:r>
+            <a:r>
+              <a:rPr lang="zh-CN" altLang="en-US" sz="1400" dirty="0">
+                <a:latin typeface="微软雅黑" panose="020B0503020204020204" pitchFamily="34" charset="-122"/>
+                <a:ea typeface="微软雅黑" panose="020B0503020204020204" pitchFamily="34" charset="-122"/>
+              </a:rPr>
+              <a:t>节点</a:t>
+            </a:r>
+            <a:endParaRPr lang="en-US" sz="1400" dirty="0">
+              <a:latin typeface="微软雅黑" panose="020B0503020204020204" pitchFamily="34" charset="-122"/>
+              <a:ea typeface="微软雅黑" panose="020B0503020204020204" pitchFamily="34" charset="-122"/>
+            </a:endParaRPr>
+          </a:p>
+        </p:txBody>
+      </p:sp>
+      <p:sp>
+        <p:nvSpPr>
+          <p:cNvPr id="13" name="Oval 12">
+            <a:extLst>
+              <a:ext uri="{FF2B5EF4-FFF2-40B4-BE49-F238E27FC236}">
+                <a16:creationId xmlns:a16="http://schemas.microsoft.com/office/drawing/2014/main" id="{64502A93-2370-411F-BD5A-736192534CF2}"/>
+              </a:ext>
+            </a:extLst>
+          </p:cNvPr>
+          <p:cNvSpPr/>
+          <p:nvPr/>
+        </p:nvSpPr>
+        <p:spPr>
+          <a:xfrm>
+            <a:off x="2133600" y="2194560"/>
+            <a:ext cx="1330960" cy="1234440"/>
+          </a:xfrm>
+          <a:prstGeom prst="ellipse">
+            <a:avLst/>
+          </a:prstGeom>
+        </p:spPr>
+        <p:style>
+          <a:lnRef idx="2">
+            <a:schemeClr val="accent2"/>
+          </a:lnRef>
+          <a:fillRef idx="1">
+            <a:schemeClr val="lt1"/>
+          </a:fillRef>
+          <a:effectRef idx="0">
+            <a:schemeClr val="accent2"/>
+          </a:effectRef>
+          <a:fontRef idx="minor">
+            <a:schemeClr val="dk1"/>
+          </a:fontRef>
+        </p:style>
+        <p:txBody>
+          <a:bodyPr rtlCol="0" anchor="ctr"/>
+          <a:lstStyle/>
+          <a:p>
+            <a:pPr algn="ctr"/>
+            <a:r>
+              <a:rPr lang="zh-CN" altLang="en-US" sz="1400" dirty="0">
+                <a:solidFill>
+                  <a:schemeClr val="accent6">
+                    <a:lumMod val="50000"/>
+                  </a:schemeClr>
+                </a:solidFill>
+                <a:latin typeface="微软雅黑" panose="020B0503020204020204" pitchFamily="34" charset="-122"/>
+                <a:ea typeface="微软雅黑" panose="020B0503020204020204" pitchFamily="34" charset="-122"/>
+              </a:rPr>
+              <a:t>地域</a:t>
+            </a:r>
+            <a:r>
+              <a:rPr lang="zh-CN" altLang="en-US" sz="1400" dirty="0">
+                <a:latin typeface="微软雅黑" panose="020B0503020204020204" pitchFamily="34" charset="-122"/>
+                <a:ea typeface="微软雅黑" panose="020B0503020204020204" pitchFamily="34" charset="-122"/>
+              </a:rPr>
+              <a:t>节点</a:t>
+            </a:r>
+            <a:endParaRPr lang="en-US" sz="1400" dirty="0">
+              <a:latin typeface="微软雅黑" panose="020B0503020204020204" pitchFamily="34" charset="-122"/>
+              <a:ea typeface="微软雅黑" panose="020B0503020204020204" pitchFamily="34" charset="-122"/>
+            </a:endParaRPr>
+          </a:p>
+        </p:txBody>
+      </p:sp>
+      <p:sp>
+        <p:nvSpPr>
+          <p:cNvPr id="8" name="Rectangle 7">
+            <a:extLst>
+              <a:ext uri="{FF2B5EF4-FFF2-40B4-BE49-F238E27FC236}">
+                <a16:creationId xmlns:a16="http://schemas.microsoft.com/office/drawing/2014/main" id="{DC626A30-0279-4408-B613-63E8F01C623B}"/>
+              </a:ext>
+            </a:extLst>
+          </p:cNvPr>
+          <p:cNvSpPr/>
+          <p:nvPr/>
+        </p:nvSpPr>
+        <p:spPr>
+          <a:xfrm>
+            <a:off x="2412048" y="1899503"/>
+            <a:ext cx="731520" cy="436880"/>
+          </a:xfrm>
+          <a:prstGeom prst="rect">
+            <a:avLst/>
+          </a:prstGeom>
+        </p:spPr>
+        <p:style>
+          <a:lnRef idx="3">
+            <a:schemeClr val="lt1"/>
+          </a:lnRef>
+          <a:fillRef idx="1">
+            <a:schemeClr val="accent2"/>
+          </a:fillRef>
+          <a:effectRef idx="1">
+            <a:schemeClr val="accent2"/>
+          </a:effectRef>
+          <a:fontRef idx="minor">
+            <a:schemeClr val="lt1"/>
+          </a:fontRef>
+        </p:style>
+        <p:txBody>
+          <a:bodyPr rtlCol="0" anchor="ctr"/>
+          <a:lstStyle/>
+          <a:p>
+            <a:pPr algn="ctr"/>
+            <a:r>
+              <a:rPr lang="zh-CN" altLang="en-US" sz="1400" dirty="0">
+                <a:latin typeface="微软雅黑" panose="020B0503020204020204" pitchFamily="34" charset="-122"/>
+                <a:ea typeface="微软雅黑" panose="020B0503020204020204" pitchFamily="34" charset="-122"/>
+              </a:rPr>
+              <a:t>商户</a:t>
+            </a:r>
+            <a:endParaRPr lang="en-US" sz="1400" dirty="0">
+              <a:latin typeface="微软雅黑" panose="020B0503020204020204" pitchFamily="34" charset="-122"/>
+              <a:ea typeface="微软雅黑" panose="020B0503020204020204" pitchFamily="34" charset="-122"/>
+            </a:endParaRPr>
+          </a:p>
+        </p:txBody>
+      </p:sp>
+      <p:sp>
+        <p:nvSpPr>
+          <p:cNvPr id="14" name="Rectangle 13">
+            <a:extLst>
+              <a:ext uri="{FF2B5EF4-FFF2-40B4-BE49-F238E27FC236}">
+                <a16:creationId xmlns:a16="http://schemas.microsoft.com/office/drawing/2014/main" id="{02432537-3A06-4FC6-9AC3-3956EC1CEE15}"/>
+              </a:ext>
+            </a:extLst>
+          </p:cNvPr>
+          <p:cNvSpPr/>
+          <p:nvPr/>
+        </p:nvSpPr>
+        <p:spPr>
+          <a:xfrm>
+            <a:off x="1528445" y="2233795"/>
+            <a:ext cx="731520" cy="403860"/>
+          </a:xfrm>
+          <a:prstGeom prst="rect">
+            <a:avLst/>
+          </a:prstGeom>
+        </p:spPr>
+        <p:style>
+          <a:lnRef idx="3">
+            <a:schemeClr val="lt1"/>
+          </a:lnRef>
+          <a:fillRef idx="1">
+            <a:schemeClr val="accent2"/>
+          </a:fillRef>
+          <a:effectRef idx="1">
+            <a:schemeClr val="accent2"/>
+          </a:effectRef>
+          <a:fontRef idx="minor">
+            <a:schemeClr val="lt1"/>
+          </a:fontRef>
+        </p:style>
+        <p:txBody>
+          <a:bodyPr rtlCol="0" anchor="ctr"/>
+          <a:lstStyle/>
+          <a:p>
+            <a:pPr algn="ctr"/>
+            <a:r>
+              <a:rPr lang="zh-CN" altLang="en-US" sz="1400" dirty="0">
+                <a:latin typeface="微软雅黑" panose="020B0503020204020204" pitchFamily="34" charset="-122"/>
+                <a:ea typeface="微软雅黑" panose="020B0503020204020204" pitchFamily="34" charset="-122"/>
+              </a:rPr>
+              <a:t>合作社</a:t>
+            </a:r>
+            <a:endParaRPr lang="en-US" sz="1400" dirty="0">
+              <a:latin typeface="微软雅黑" panose="020B0503020204020204" pitchFamily="34" charset="-122"/>
+              <a:ea typeface="微软雅黑" panose="020B0503020204020204" pitchFamily="34" charset="-122"/>
+            </a:endParaRPr>
+          </a:p>
+        </p:txBody>
+      </p:sp>
+      <p:sp>
+        <p:nvSpPr>
+          <p:cNvPr id="16" name="Rectangle 15">
+            <a:extLst>
+              <a:ext uri="{FF2B5EF4-FFF2-40B4-BE49-F238E27FC236}">
+                <a16:creationId xmlns:a16="http://schemas.microsoft.com/office/drawing/2014/main" id="{09F23B1B-5E5F-49D5-81D5-4FD39C997DAD}"/>
+              </a:ext>
+            </a:extLst>
+          </p:cNvPr>
+          <p:cNvSpPr/>
+          <p:nvPr/>
+        </p:nvSpPr>
+        <p:spPr>
+          <a:xfrm>
+            <a:off x="3352137" y="2140765"/>
+            <a:ext cx="731520" cy="436880"/>
+          </a:xfrm>
+          <a:prstGeom prst="rect">
+            <a:avLst/>
+          </a:prstGeom>
+        </p:spPr>
+        <p:style>
+          <a:lnRef idx="3">
+            <a:schemeClr val="lt1"/>
+          </a:lnRef>
+          <a:fillRef idx="1">
+            <a:schemeClr val="accent2"/>
+          </a:fillRef>
+          <a:effectRef idx="1">
+            <a:schemeClr val="accent2"/>
+          </a:effectRef>
+          <a:fontRef idx="minor">
+            <a:schemeClr val="lt1"/>
+          </a:fontRef>
+        </p:style>
+        <p:txBody>
+          <a:bodyPr rtlCol="0" anchor="ctr"/>
+          <a:lstStyle/>
+          <a:p>
+            <a:pPr algn="ctr"/>
+            <a:r>
+              <a:rPr lang="zh-CN" altLang="en-US" sz="1400" dirty="0">
+                <a:latin typeface="微软雅黑" panose="020B0503020204020204" pitchFamily="34" charset="-122"/>
+                <a:ea typeface="微软雅黑" panose="020B0503020204020204" pitchFamily="34" charset="-122"/>
+              </a:rPr>
+              <a:t>生产户</a:t>
+            </a:r>
+            <a:endParaRPr lang="en-US" sz="1400" dirty="0">
+              <a:latin typeface="微软雅黑" panose="020B0503020204020204" pitchFamily="34" charset="-122"/>
+              <a:ea typeface="微软雅黑" panose="020B0503020204020204" pitchFamily="34" charset="-122"/>
+            </a:endParaRPr>
+          </a:p>
+        </p:txBody>
+      </p:sp>
+      <p:sp>
+        <p:nvSpPr>
+          <p:cNvPr id="17" name="Rectangle 16">
+            <a:extLst>
+              <a:ext uri="{FF2B5EF4-FFF2-40B4-BE49-F238E27FC236}">
+                <a16:creationId xmlns:a16="http://schemas.microsoft.com/office/drawing/2014/main" id="{75E1DEE4-22EC-40ED-9603-F5E47848700D}"/>
+              </a:ext>
+            </a:extLst>
+          </p:cNvPr>
+          <p:cNvSpPr/>
+          <p:nvPr/>
+        </p:nvSpPr>
+        <p:spPr>
+          <a:xfrm>
+            <a:off x="543559" y="3970976"/>
+            <a:ext cx="731520" cy="436880"/>
+          </a:xfrm>
+          <a:prstGeom prst="rect">
+            <a:avLst/>
+          </a:prstGeom>
+        </p:spPr>
+        <p:style>
+          <a:lnRef idx="3">
+            <a:schemeClr val="lt1"/>
+          </a:lnRef>
+          <a:fillRef idx="1">
+            <a:schemeClr val="accent1"/>
+          </a:fillRef>
+          <a:effectRef idx="1">
+            <a:schemeClr val="accent1"/>
+          </a:effectRef>
+          <a:fontRef idx="minor">
+            <a:schemeClr val="lt1"/>
+          </a:fontRef>
+        </p:style>
+        <p:txBody>
+          <a:bodyPr rtlCol="0" anchor="ctr"/>
+          <a:lstStyle/>
+          <a:p>
+            <a:pPr algn="ctr"/>
+            <a:r>
+              <a:rPr lang="zh-CN" altLang="en-US" sz="1400" dirty="0">
+                <a:latin typeface="微软雅黑" panose="020B0503020204020204" pitchFamily="34" charset="-122"/>
+                <a:ea typeface="微软雅黑" panose="020B0503020204020204" pitchFamily="34" charset="-122"/>
+              </a:rPr>
+              <a:t>商户</a:t>
+            </a:r>
+            <a:endParaRPr lang="en-US" sz="1400" dirty="0">
+              <a:latin typeface="微软雅黑" panose="020B0503020204020204" pitchFamily="34" charset="-122"/>
+              <a:ea typeface="微软雅黑" panose="020B0503020204020204" pitchFamily="34" charset="-122"/>
+            </a:endParaRPr>
+          </a:p>
+        </p:txBody>
+      </p:sp>
+      <p:sp>
+        <p:nvSpPr>
+          <p:cNvPr id="18" name="Rectangle 17">
+            <a:extLst>
+              <a:ext uri="{FF2B5EF4-FFF2-40B4-BE49-F238E27FC236}">
+                <a16:creationId xmlns:a16="http://schemas.microsoft.com/office/drawing/2014/main" id="{79A5E122-7F17-46E4-BB44-529BE5B4C71C}"/>
+              </a:ext>
+            </a:extLst>
+          </p:cNvPr>
+          <p:cNvSpPr/>
+          <p:nvPr/>
+        </p:nvSpPr>
+        <p:spPr>
+          <a:xfrm>
+            <a:off x="760730" y="4678506"/>
+            <a:ext cx="731520" cy="403860"/>
+          </a:xfrm>
+          <a:prstGeom prst="rect">
+            <a:avLst/>
+          </a:prstGeom>
+        </p:spPr>
+        <p:style>
+          <a:lnRef idx="3">
+            <a:schemeClr val="lt1"/>
+          </a:lnRef>
+          <a:fillRef idx="1">
+            <a:schemeClr val="accent1"/>
+          </a:fillRef>
+          <a:effectRef idx="1">
+            <a:schemeClr val="accent1"/>
+          </a:effectRef>
+          <a:fontRef idx="minor">
+            <a:schemeClr val="lt1"/>
+          </a:fontRef>
+        </p:style>
+        <p:txBody>
+          <a:bodyPr rtlCol="0" anchor="ctr"/>
+          <a:lstStyle/>
+          <a:p>
+            <a:pPr algn="ctr"/>
+            <a:r>
+              <a:rPr lang="zh-CN" altLang="en-US" sz="1400" dirty="0">
+                <a:latin typeface="微软雅黑" panose="020B0503020204020204" pitchFamily="34" charset="-122"/>
+                <a:ea typeface="微软雅黑" panose="020B0503020204020204" pitchFamily="34" charset="-122"/>
+              </a:rPr>
+              <a:t>合作社</a:t>
+            </a:r>
+            <a:endParaRPr lang="en-US" sz="1400" dirty="0">
+              <a:latin typeface="微软雅黑" panose="020B0503020204020204" pitchFamily="34" charset="-122"/>
+              <a:ea typeface="微软雅黑" panose="020B0503020204020204" pitchFamily="34" charset="-122"/>
+            </a:endParaRPr>
+          </a:p>
+        </p:txBody>
+      </p:sp>
+      <p:sp>
+        <p:nvSpPr>
+          <p:cNvPr id="19" name="Rectangle 18">
+            <a:extLst>
+              <a:ext uri="{FF2B5EF4-FFF2-40B4-BE49-F238E27FC236}">
+                <a16:creationId xmlns:a16="http://schemas.microsoft.com/office/drawing/2014/main" id="{33E5DA3E-F35A-4651-87D3-8FE67A3D64F0}"/>
+              </a:ext>
+            </a:extLst>
+          </p:cNvPr>
+          <p:cNvSpPr/>
+          <p:nvPr/>
+        </p:nvSpPr>
+        <p:spPr>
+          <a:xfrm>
+            <a:off x="1664942" y="4940879"/>
+            <a:ext cx="731520" cy="436880"/>
+          </a:xfrm>
+          <a:prstGeom prst="rect">
+            <a:avLst/>
+          </a:prstGeom>
+        </p:spPr>
+        <p:style>
+          <a:lnRef idx="3">
+            <a:schemeClr val="lt1"/>
+          </a:lnRef>
+          <a:fillRef idx="1">
+            <a:schemeClr val="accent1"/>
+          </a:fillRef>
+          <a:effectRef idx="1">
+            <a:schemeClr val="accent1"/>
+          </a:effectRef>
+          <a:fontRef idx="minor">
+            <a:schemeClr val="lt1"/>
+          </a:fontRef>
+        </p:style>
+        <p:txBody>
+          <a:bodyPr rtlCol="0" anchor="ctr"/>
+          <a:lstStyle/>
+          <a:p>
+            <a:pPr algn="ctr"/>
+            <a:r>
+              <a:rPr lang="zh-CN" altLang="en-US" sz="1400" dirty="0">
+                <a:latin typeface="微软雅黑" panose="020B0503020204020204" pitchFamily="34" charset="-122"/>
+                <a:ea typeface="微软雅黑" panose="020B0503020204020204" pitchFamily="34" charset="-122"/>
+              </a:rPr>
+              <a:t>生产户</a:t>
+            </a:r>
+            <a:endParaRPr lang="en-US" sz="1400" dirty="0">
+              <a:latin typeface="微软雅黑" panose="020B0503020204020204" pitchFamily="34" charset="-122"/>
+              <a:ea typeface="微软雅黑" panose="020B0503020204020204" pitchFamily="34" charset="-122"/>
+            </a:endParaRPr>
+          </a:p>
+        </p:txBody>
+      </p:sp>
+      <p:sp>
+        <p:nvSpPr>
+          <p:cNvPr id="20" name="Rectangle 19">
+            <a:extLst>
+              <a:ext uri="{FF2B5EF4-FFF2-40B4-BE49-F238E27FC236}">
+                <a16:creationId xmlns:a16="http://schemas.microsoft.com/office/drawing/2014/main" id="{523C914A-582D-40AF-A5DC-7EDC04991A63}"/>
+              </a:ext>
+            </a:extLst>
+          </p:cNvPr>
+          <p:cNvSpPr/>
+          <p:nvPr/>
+        </p:nvSpPr>
+        <p:spPr>
+          <a:xfrm>
+            <a:off x="3941445" y="4801236"/>
+            <a:ext cx="731520" cy="436880"/>
+          </a:xfrm>
+          <a:prstGeom prst="rect">
+            <a:avLst/>
+          </a:prstGeom>
+        </p:spPr>
+        <p:style>
+          <a:lnRef idx="3">
+            <a:schemeClr val="lt1"/>
+          </a:lnRef>
+          <a:fillRef idx="1">
+            <a:schemeClr val="accent4"/>
+          </a:fillRef>
+          <a:effectRef idx="1">
+            <a:schemeClr val="accent4"/>
+          </a:effectRef>
+          <a:fontRef idx="minor">
+            <a:schemeClr val="lt1"/>
+          </a:fontRef>
+        </p:style>
+        <p:txBody>
+          <a:bodyPr rtlCol="0" anchor="ctr"/>
+          <a:lstStyle/>
+          <a:p>
+            <a:pPr algn="ctr"/>
+            <a:r>
+              <a:rPr lang="zh-CN" altLang="en-US" sz="1400" dirty="0">
+                <a:latin typeface="微软雅黑" panose="020B0503020204020204" pitchFamily="34" charset="-122"/>
+                <a:ea typeface="微软雅黑" panose="020B0503020204020204" pitchFamily="34" charset="-122"/>
+              </a:rPr>
+              <a:t>商户</a:t>
+            </a:r>
+            <a:endParaRPr lang="en-US" sz="1400" dirty="0">
+              <a:latin typeface="微软雅黑" panose="020B0503020204020204" pitchFamily="34" charset="-122"/>
+              <a:ea typeface="微软雅黑" panose="020B0503020204020204" pitchFamily="34" charset="-122"/>
+            </a:endParaRPr>
+          </a:p>
+        </p:txBody>
+      </p:sp>
+      <p:sp>
+        <p:nvSpPr>
+          <p:cNvPr id="21" name="Rectangle 20">
+            <a:extLst>
+              <a:ext uri="{FF2B5EF4-FFF2-40B4-BE49-F238E27FC236}">
+                <a16:creationId xmlns:a16="http://schemas.microsoft.com/office/drawing/2014/main" id="{F0F2E9AD-A1BA-422E-9566-94C3D8314D0C}"/>
+              </a:ext>
+            </a:extLst>
+          </p:cNvPr>
+          <p:cNvSpPr/>
+          <p:nvPr/>
+        </p:nvSpPr>
+        <p:spPr>
+          <a:xfrm>
+            <a:off x="4346603" y="4190843"/>
+            <a:ext cx="731520" cy="403860"/>
+          </a:xfrm>
+          <a:prstGeom prst="rect">
+            <a:avLst/>
+          </a:prstGeom>
+        </p:spPr>
+        <p:style>
+          <a:lnRef idx="3">
+            <a:schemeClr val="lt1"/>
+          </a:lnRef>
+          <a:fillRef idx="1">
+            <a:schemeClr val="accent4"/>
+          </a:fillRef>
+          <a:effectRef idx="1">
+            <a:schemeClr val="accent4"/>
+          </a:effectRef>
+          <a:fontRef idx="minor">
+            <a:schemeClr val="lt1"/>
+          </a:fontRef>
+        </p:style>
+        <p:txBody>
+          <a:bodyPr rtlCol="0" anchor="ctr"/>
+          <a:lstStyle/>
+          <a:p>
+            <a:pPr algn="ctr"/>
+            <a:r>
+              <a:rPr lang="zh-CN" altLang="en-US" sz="1400" dirty="0">
+                <a:latin typeface="微软雅黑" panose="020B0503020204020204" pitchFamily="34" charset="-122"/>
+                <a:ea typeface="微软雅黑" panose="020B0503020204020204" pitchFamily="34" charset="-122"/>
+              </a:rPr>
+              <a:t>合作社</a:t>
+            </a:r>
+            <a:endParaRPr lang="en-US" sz="1400" dirty="0">
+              <a:latin typeface="微软雅黑" panose="020B0503020204020204" pitchFamily="34" charset="-122"/>
+              <a:ea typeface="微软雅黑" panose="020B0503020204020204" pitchFamily="34" charset="-122"/>
+            </a:endParaRPr>
+          </a:p>
+        </p:txBody>
+      </p:sp>
+      <p:sp>
+        <p:nvSpPr>
+          <p:cNvPr id="22" name="Rectangle 21">
+            <a:extLst>
+              <a:ext uri="{FF2B5EF4-FFF2-40B4-BE49-F238E27FC236}">
+                <a16:creationId xmlns:a16="http://schemas.microsoft.com/office/drawing/2014/main" id="{BA0BC55C-00B5-42AC-BFDD-94AE32F7E87D}"/>
+              </a:ext>
+            </a:extLst>
+          </p:cNvPr>
+          <p:cNvSpPr/>
+          <p:nvPr/>
+        </p:nvSpPr>
+        <p:spPr>
+          <a:xfrm>
+            <a:off x="3010574" y="4918712"/>
+            <a:ext cx="731520" cy="436880"/>
+          </a:xfrm>
+          <a:prstGeom prst="rect">
+            <a:avLst/>
+          </a:prstGeom>
+        </p:spPr>
+        <p:style>
+          <a:lnRef idx="3">
+            <a:schemeClr val="lt1"/>
+          </a:lnRef>
+          <a:fillRef idx="1">
+            <a:schemeClr val="accent4"/>
+          </a:fillRef>
+          <a:effectRef idx="1">
+            <a:schemeClr val="accent4"/>
+          </a:effectRef>
+          <a:fontRef idx="minor">
+            <a:schemeClr val="lt1"/>
+          </a:fontRef>
+        </p:style>
+        <p:txBody>
+          <a:bodyPr rtlCol="0" anchor="ctr"/>
+          <a:lstStyle/>
+          <a:p>
+            <a:pPr algn="ctr"/>
+            <a:r>
+              <a:rPr lang="zh-CN" altLang="en-US" sz="1400" dirty="0">
+                <a:latin typeface="微软雅黑" panose="020B0503020204020204" pitchFamily="34" charset="-122"/>
+                <a:ea typeface="微软雅黑" panose="020B0503020204020204" pitchFamily="34" charset="-122"/>
+              </a:rPr>
+              <a:t>生产户</a:t>
+            </a:r>
+            <a:endParaRPr lang="en-US" sz="1400" dirty="0">
+              <a:latin typeface="微软雅黑" panose="020B0503020204020204" pitchFamily="34" charset="-122"/>
+              <a:ea typeface="微软雅黑" panose="020B0503020204020204" pitchFamily="34" charset="-122"/>
+            </a:endParaRPr>
+          </a:p>
+        </p:txBody>
+      </p:sp>
+      <p:sp>
+        <p:nvSpPr>
+          <p:cNvPr id="10" name="Arrow: Left-Right 9">
+            <a:extLst>
+              <a:ext uri="{FF2B5EF4-FFF2-40B4-BE49-F238E27FC236}">
+                <a16:creationId xmlns:a16="http://schemas.microsoft.com/office/drawing/2014/main" id="{FF1FFEF9-59F6-4A40-B66A-33E8F60095D3}"/>
+              </a:ext>
+            </a:extLst>
+          </p:cNvPr>
+          <p:cNvSpPr/>
+          <p:nvPr/>
+        </p:nvSpPr>
+        <p:spPr>
+          <a:xfrm rot="17972830">
+            <a:off x="2058339" y="3527303"/>
+            <a:ext cx="598648" cy="290061"/>
+          </a:xfrm>
+          <a:prstGeom prst="leftRightArrow">
+            <a:avLst/>
+          </a:prstGeom>
+        </p:spPr>
+        <p:style>
+          <a:lnRef idx="2">
+            <a:schemeClr val="accent1">
+              <a:shade val="50000"/>
+            </a:schemeClr>
+          </a:lnRef>
+          <a:fillRef idx="1">
+            <a:schemeClr val="accent1"/>
+          </a:fillRef>
+          <a:effectRef idx="0">
+            <a:schemeClr val="accent1"/>
+          </a:effectRef>
+          <a:fontRef idx="minor">
+            <a:schemeClr val="lt1"/>
+          </a:fontRef>
+        </p:style>
+        <p:txBody>
+          <a:bodyPr rtlCol="0" anchor="ctr"/>
+          <a:lstStyle/>
+          <a:p>
+            <a:pPr algn="ctr"/>
+            <a:endParaRPr lang="en-US" sz="1400">
+              <a:latin typeface="微软雅黑" panose="020B0503020204020204" pitchFamily="34" charset="-122"/>
+              <a:ea typeface="微软雅黑" panose="020B0503020204020204" pitchFamily="34" charset="-122"/>
+            </a:endParaRPr>
+          </a:p>
+        </p:txBody>
+      </p:sp>
+      <p:sp>
+        <p:nvSpPr>
+          <p:cNvPr id="23" name="Arrow: Left-Right 22">
+            <a:extLst>
+              <a:ext uri="{FF2B5EF4-FFF2-40B4-BE49-F238E27FC236}">
+                <a16:creationId xmlns:a16="http://schemas.microsoft.com/office/drawing/2014/main" id="{6E9D9DDC-6C63-4C69-82BF-ABB203CCAF25}"/>
+              </a:ext>
+            </a:extLst>
+          </p:cNvPr>
+          <p:cNvSpPr/>
+          <p:nvPr/>
+        </p:nvSpPr>
+        <p:spPr>
+          <a:xfrm rot="3013548">
+            <a:off x="2951808" y="3506063"/>
+            <a:ext cx="598648" cy="290061"/>
+          </a:xfrm>
+          <a:prstGeom prst="leftRightArrow">
+            <a:avLst/>
+          </a:prstGeom>
+        </p:spPr>
+        <p:style>
+          <a:lnRef idx="2">
+            <a:schemeClr val="accent1">
+              <a:shade val="50000"/>
+            </a:schemeClr>
+          </a:lnRef>
+          <a:fillRef idx="1">
+            <a:schemeClr val="accent1"/>
+          </a:fillRef>
+          <a:effectRef idx="0">
+            <a:schemeClr val="accent1"/>
+          </a:effectRef>
+          <a:fontRef idx="minor">
+            <a:schemeClr val="lt1"/>
+          </a:fontRef>
+        </p:style>
+        <p:txBody>
+          <a:bodyPr rtlCol="0" anchor="ctr"/>
+          <a:lstStyle/>
+          <a:p>
+            <a:pPr algn="ctr"/>
+            <a:endParaRPr lang="en-US" sz="1400">
+              <a:latin typeface="微软雅黑" panose="020B0503020204020204" pitchFamily="34" charset="-122"/>
+              <a:ea typeface="微软雅黑" panose="020B0503020204020204" pitchFamily="34" charset="-122"/>
+            </a:endParaRPr>
+          </a:p>
+        </p:txBody>
+      </p:sp>
+      <p:sp>
+        <p:nvSpPr>
+          <p:cNvPr id="24" name="Arrow: Left-Right 23">
+            <a:extLst>
+              <a:ext uri="{FF2B5EF4-FFF2-40B4-BE49-F238E27FC236}">
+                <a16:creationId xmlns:a16="http://schemas.microsoft.com/office/drawing/2014/main" id="{17E31B4D-2942-438F-B6F0-8B5EB947C224}"/>
+              </a:ext>
+            </a:extLst>
+          </p:cNvPr>
+          <p:cNvSpPr/>
+          <p:nvPr/>
+        </p:nvSpPr>
+        <p:spPr>
+          <a:xfrm>
+            <a:off x="2462926" y="4316451"/>
+            <a:ext cx="598648" cy="290061"/>
+          </a:xfrm>
+          <a:prstGeom prst="leftRightArrow">
+            <a:avLst/>
+          </a:prstGeom>
+        </p:spPr>
+        <p:style>
+          <a:lnRef idx="2">
+            <a:schemeClr val="accent1">
+              <a:shade val="50000"/>
+            </a:schemeClr>
+          </a:lnRef>
+          <a:fillRef idx="1">
+            <a:schemeClr val="accent1"/>
+          </a:fillRef>
+          <a:effectRef idx="0">
+            <a:schemeClr val="accent1"/>
+          </a:effectRef>
+          <a:fontRef idx="minor">
+            <a:schemeClr val="lt1"/>
+          </a:fontRef>
+        </p:style>
+        <p:txBody>
+          <a:bodyPr rtlCol="0" anchor="ctr"/>
+          <a:lstStyle/>
+          <a:p>
+            <a:pPr algn="ctr"/>
+            <a:endParaRPr lang="en-US" sz="1400">
+              <a:latin typeface="微软雅黑" panose="020B0503020204020204" pitchFamily="34" charset="-122"/>
+              <a:ea typeface="微软雅黑" panose="020B0503020204020204" pitchFamily="34" charset="-122"/>
+            </a:endParaRPr>
+          </a:p>
+        </p:txBody>
+      </p:sp>
+    </p:spTree>
+    <p:extLst>
+      <p:ext uri="{BB962C8B-B14F-4D97-AF65-F5344CB8AC3E}">
+        <p14:creationId xmlns:p14="http://schemas.microsoft.com/office/powerpoint/2010/main" val="3746698519"/>
+      </p:ext>
+    </p:extLst>
+  </p:cSld>
+  <p:clrMapOvr>
+    <a:masterClrMapping/>
+  </p:clrMapOvr>
+  <mc:AlternateContent xmlns:mc="http://schemas.openxmlformats.org/markup-compatibility/2006" xmlns:p14="http://schemas.microsoft.com/office/powerpoint/2010/main">
+    <mc:Choice Requires="p14">
+      <p:transition spd="med" p14:dur="700">
+        <p:fade/>
+      </p:transition>
+    </mc:Choice>
+    <mc:Fallback xmlns="">
+      <p:transition spd="med">
+        <p:fade/>
+      </p:transition>
+    </mc:Fallback>
+  </mc:AlternateContent>
+</p:sld>
+</file>
+
+<file path=ppt/slides/slide14.xml><?xml version="1.0" encoding="utf-8"?>
+<p:sld xmlns:a="http://schemas.openxmlformats.org/drawingml/2006/main" xmlns:r="http://schemas.openxmlformats.org/officeDocument/2006/relationships" xmlns:p="http://schemas.openxmlformats.org/presentationml/2006/main">
+  <p:cSld>
+    <p:spTree>
+      <p:nvGrpSpPr>
+        <p:cNvPr id="1" name=""/>
+        <p:cNvGrpSpPr/>
+        <p:nvPr/>
+      </p:nvGrpSpPr>
+      <p:grpSpPr>
+        <a:xfrm>
+          <a:off x="0" y="0"/>
+          <a:ext cx="0" cy="0"/>
+          <a:chOff x="0" y="0"/>
+          <a:chExt cx="0" cy="0"/>
+        </a:xfrm>
+      </p:grpSpPr>
+      <p:sp>
+        <p:nvSpPr>
+          <p:cNvPr id="2" name="Title 1">
+            <a:extLst>
+              <a:ext uri="{FF2B5EF4-FFF2-40B4-BE49-F238E27FC236}">
+                <a16:creationId xmlns:a16="http://schemas.microsoft.com/office/drawing/2014/main" id="{D4A4B83F-009D-4A6A-8D4E-D9A83B50E0D4}"/>
+              </a:ext>
+            </a:extLst>
+          </p:cNvPr>
+          <p:cNvSpPr>
+            <a:spLocks noGrp="1"/>
+          </p:cNvSpPr>
+          <p:nvPr>
+            <p:ph type="title"/>
+          </p:nvPr>
+        </p:nvSpPr>
+        <p:spPr/>
+        <p:txBody>
+          <a:bodyPr/>
+          <a:lstStyle/>
+          <a:p>
+            <a:r>
+              <a:rPr lang="zh-CN" altLang="en-US" dirty="0">
+                <a:solidFill>
+                  <a:srgbClr val="C00000"/>
+                </a:solidFill>
+                <a:latin typeface="微软雅黑" panose="020B0503020204020204" pitchFamily="34" charset="-122"/>
+                <a:ea typeface="微软雅黑" panose="020B0503020204020204" pitchFamily="34" charset="-122"/>
+              </a:rPr>
               <a:t>应用案例二：穹苍家园平台</a:t>
             </a:r>
             <a:endParaRPr lang="en-US" dirty="0">
@@ -24910,7 +26115,7 @@
     </p:spTree>
     <p:extLst>
       <p:ext uri="{BB962C8B-B14F-4D97-AF65-F5344CB8AC3E}">
-        <p14:creationId xmlns:p14="http://schemas.microsoft.com/office/powerpoint/2010/main" val="3746698519"/>
+        <p14:creationId xmlns:p14="http://schemas.microsoft.com/office/powerpoint/2010/main" val="3629808652"/>
       </p:ext>
     </p:extLst>
   </p:cSld>
@@ -28985,6 +30190,132 @@
 </file>
 
 <file path=customXml/item2.xml><?xml version="1.0" encoding="utf-8"?>
+<p:properties xmlns:p="http://schemas.microsoft.com/office/2006/metadata/properties" xmlns:xsi="http://www.w3.org/2001/XMLSchema-instance" xmlns:pc="http://schemas.microsoft.com/office/infopath/2007/PartnerControls">
+  <documentManagement>
+    <APDescription xmlns="4873beb7-5857-4685-be1f-d57550cc96cc" xsi:nil="true"/>
+    <AssetExpire xmlns="4873beb7-5857-4685-be1f-d57550cc96cc">2029-01-01T08:00:00+00:00</AssetExpire>
+    <CampaignTagsTaxHTField0 xmlns="4873beb7-5857-4685-be1f-d57550cc96cc">
+      <Terms xmlns="http://schemas.microsoft.com/office/infopath/2007/PartnerControls"/>
+    </CampaignTagsTaxHTField0>
+    <IntlLangReviewDate xmlns="4873beb7-5857-4685-be1f-d57550cc96cc" xsi:nil="true"/>
+    <TPFriendlyName xmlns="4873beb7-5857-4685-be1f-d57550cc96cc" xsi:nil="true"/>
+    <IntlLangReview xmlns="4873beb7-5857-4685-be1f-d57550cc96cc">false</IntlLangReview>
+    <LocLastLocAttemptVersionLookup xmlns="4873beb7-5857-4685-be1f-d57550cc96cc">855024</LocLastLocAttemptVersionLookup>
+    <PolicheckWords xmlns="4873beb7-5857-4685-be1f-d57550cc96cc" xsi:nil="true"/>
+    <SubmitterId xmlns="4873beb7-5857-4685-be1f-d57550cc96cc" xsi:nil="true"/>
+    <AcquiredFrom xmlns="4873beb7-5857-4685-be1f-d57550cc96cc">Internal MS</AcquiredFrom>
+    <EditorialStatus xmlns="4873beb7-5857-4685-be1f-d57550cc96cc">Complete</EditorialStatus>
+    <Markets xmlns="4873beb7-5857-4685-be1f-d57550cc96cc"/>
+    <OriginAsset xmlns="4873beb7-5857-4685-be1f-d57550cc96cc" xsi:nil="true"/>
+    <AssetStart xmlns="4873beb7-5857-4685-be1f-d57550cc96cc">2012-08-31T08:50:00+00:00</AssetStart>
+    <FriendlyTitle xmlns="4873beb7-5857-4685-be1f-d57550cc96cc" xsi:nil="true"/>
+    <MarketSpecific xmlns="4873beb7-5857-4685-be1f-d57550cc96cc">false</MarketSpecific>
+    <TPNamespace xmlns="4873beb7-5857-4685-be1f-d57550cc96cc" xsi:nil="true"/>
+    <PublishStatusLookup xmlns="4873beb7-5857-4685-be1f-d57550cc96cc">
+      <Value>1616423</Value>
+    </PublishStatusLookup>
+    <APAuthor xmlns="4873beb7-5857-4685-be1f-d57550cc96cc">
+      <UserInfo>
+        <DisplayName>REDMOND\kristaa</DisplayName>
+        <AccountId>136</AccountId>
+        <AccountType/>
+      </UserInfo>
+    </APAuthor>
+    <TPCommandLine xmlns="4873beb7-5857-4685-be1f-d57550cc96cc" xsi:nil="true"/>
+    <IntlLangReviewer xmlns="4873beb7-5857-4685-be1f-d57550cc96cc" xsi:nil="true"/>
+    <OpenTemplate xmlns="4873beb7-5857-4685-be1f-d57550cc96cc">true</OpenTemplate>
+    <CSXSubmissionDate xmlns="4873beb7-5857-4685-be1f-d57550cc96cc" xsi:nil="true"/>
+    <TaxCatchAll xmlns="4873beb7-5857-4685-be1f-d57550cc96cc"/>
+    <Manager xmlns="4873beb7-5857-4685-be1f-d57550cc96cc" xsi:nil="true"/>
+    <NumericId xmlns="4873beb7-5857-4685-be1f-d57550cc96cc" xsi:nil="true"/>
+    <ParentAssetId xmlns="4873beb7-5857-4685-be1f-d57550cc96cc" xsi:nil="true"/>
+    <OriginalSourceMarket xmlns="4873beb7-5857-4685-be1f-d57550cc96cc" xsi:nil="true"/>
+    <ApprovalStatus xmlns="4873beb7-5857-4685-be1f-d57550cc96cc">InProgress</ApprovalStatus>
+    <TPComponent xmlns="4873beb7-5857-4685-be1f-d57550cc96cc" xsi:nil="true"/>
+    <EditorialTags xmlns="4873beb7-5857-4685-be1f-d57550cc96cc" xsi:nil="true"/>
+    <TPExecutable xmlns="4873beb7-5857-4685-be1f-d57550cc96cc" xsi:nil="true"/>
+    <TPLaunchHelpLink xmlns="4873beb7-5857-4685-be1f-d57550cc96cc" xsi:nil="true"/>
+    <LocComments xmlns="4873beb7-5857-4685-be1f-d57550cc96cc" xsi:nil="true"/>
+    <LocRecommendedHandoff xmlns="4873beb7-5857-4685-be1f-d57550cc96cc" xsi:nil="true"/>
+    <SourceTitle xmlns="4873beb7-5857-4685-be1f-d57550cc96cc" xsi:nil="true"/>
+    <CSXUpdate xmlns="4873beb7-5857-4685-be1f-d57550cc96cc">false</CSXUpdate>
+    <IntlLocPriority xmlns="4873beb7-5857-4685-be1f-d57550cc96cc" xsi:nil="true"/>
+    <UAProjectedTotalWords xmlns="4873beb7-5857-4685-be1f-d57550cc96cc" xsi:nil="true"/>
+    <AssetType xmlns="4873beb7-5857-4685-be1f-d57550cc96cc">TP</AssetType>
+    <MachineTranslated xmlns="4873beb7-5857-4685-be1f-d57550cc96cc">false</MachineTranslated>
+    <OutputCachingOn xmlns="4873beb7-5857-4685-be1f-d57550cc96cc">false</OutputCachingOn>
+    <TemplateStatus xmlns="4873beb7-5857-4685-be1f-d57550cc96cc">Complete</TemplateStatus>
+    <IsSearchable xmlns="4873beb7-5857-4685-be1f-d57550cc96cc">true</IsSearchable>
+    <ContentItem xmlns="4873beb7-5857-4685-be1f-d57550cc96cc" xsi:nil="true"/>
+    <HandoffToMSDN xmlns="4873beb7-5857-4685-be1f-d57550cc96cc" xsi:nil="true"/>
+    <ShowIn xmlns="4873beb7-5857-4685-be1f-d57550cc96cc">Show everywhere</ShowIn>
+    <ThumbnailAssetId xmlns="4873beb7-5857-4685-be1f-d57550cc96cc" xsi:nil="true"/>
+    <UALocComments xmlns="4873beb7-5857-4685-be1f-d57550cc96cc" xsi:nil="true"/>
+    <UALocRecommendation xmlns="4873beb7-5857-4685-be1f-d57550cc96cc">Localize</UALocRecommendation>
+    <LastModifiedDateTime xmlns="4873beb7-5857-4685-be1f-d57550cc96cc" xsi:nil="true"/>
+    <LegacyData xmlns="4873beb7-5857-4685-be1f-d57550cc96cc" xsi:nil="true"/>
+    <LocManualTestRequired xmlns="4873beb7-5857-4685-be1f-d57550cc96cc">false</LocManualTestRequired>
+    <LocMarketGroupTiers2 xmlns="4873beb7-5857-4685-be1f-d57550cc96cc" xsi:nil="true"/>
+    <ClipArtFilename xmlns="4873beb7-5857-4685-be1f-d57550cc96cc" xsi:nil="true"/>
+    <TPApplication xmlns="4873beb7-5857-4685-be1f-d57550cc96cc" xsi:nil="true"/>
+    <CSXHash xmlns="4873beb7-5857-4685-be1f-d57550cc96cc" xsi:nil="true"/>
+    <DirectSourceMarket xmlns="4873beb7-5857-4685-be1f-d57550cc96cc" xsi:nil="true"/>
+    <PrimaryImageGen xmlns="4873beb7-5857-4685-be1f-d57550cc96cc">true</PrimaryImageGen>
+    <PlannedPubDate xmlns="4873beb7-5857-4685-be1f-d57550cc96cc" xsi:nil="true"/>
+    <CSXSubmissionMarket xmlns="4873beb7-5857-4685-be1f-d57550cc96cc" xsi:nil="true"/>
+    <Downloads xmlns="4873beb7-5857-4685-be1f-d57550cc96cc">0</Downloads>
+    <ArtSampleDocs xmlns="4873beb7-5857-4685-be1f-d57550cc96cc" xsi:nil="true"/>
+    <TrustLevel xmlns="4873beb7-5857-4685-be1f-d57550cc96cc">1 Microsoft Managed Content</TrustLevel>
+    <BlockPublish xmlns="4873beb7-5857-4685-be1f-d57550cc96cc">false</BlockPublish>
+    <TPLaunchHelpLinkType xmlns="4873beb7-5857-4685-be1f-d57550cc96cc">Template</TPLaunchHelpLinkType>
+    <LocalizationTagsTaxHTField0 xmlns="4873beb7-5857-4685-be1f-d57550cc96cc">
+      <Terms xmlns="http://schemas.microsoft.com/office/infopath/2007/PartnerControls"/>
+    </LocalizationTagsTaxHTField0>
+    <BusinessGroup xmlns="4873beb7-5857-4685-be1f-d57550cc96cc" xsi:nil="true"/>
+    <Providers xmlns="4873beb7-5857-4685-be1f-d57550cc96cc" xsi:nil="true"/>
+    <TemplateTemplateType xmlns="4873beb7-5857-4685-be1f-d57550cc96cc">PowerPoint Presentation Template</TemplateTemplateType>
+    <TimesCloned xmlns="4873beb7-5857-4685-be1f-d57550cc96cc" xsi:nil="true"/>
+    <TPAppVersion xmlns="4873beb7-5857-4685-be1f-d57550cc96cc" xsi:nil="true"/>
+    <VoteCount xmlns="4873beb7-5857-4685-be1f-d57550cc96cc" xsi:nil="true"/>
+    <AverageRating xmlns="4873beb7-5857-4685-be1f-d57550cc96cc" xsi:nil="true"/>
+    <FeatureTagsTaxHTField0 xmlns="4873beb7-5857-4685-be1f-d57550cc96cc">
+      <Terms xmlns="http://schemas.microsoft.com/office/infopath/2007/PartnerControls"/>
+    </FeatureTagsTaxHTField0>
+    <Provider xmlns="4873beb7-5857-4685-be1f-d57550cc96cc" xsi:nil="true"/>
+    <UACurrentWords xmlns="4873beb7-5857-4685-be1f-d57550cc96cc" xsi:nil="true"/>
+    <AssetId xmlns="4873beb7-5857-4685-be1f-d57550cc96cc">TP103431361</AssetId>
+    <TPClientViewer xmlns="4873beb7-5857-4685-be1f-d57550cc96cc" xsi:nil="true"/>
+    <DSATActionTaken xmlns="4873beb7-5857-4685-be1f-d57550cc96cc" xsi:nil="true"/>
+    <APEditor xmlns="4873beb7-5857-4685-be1f-d57550cc96cc">
+      <UserInfo>
+        <DisplayName/>
+        <AccountId xsi:nil="true"/>
+        <AccountType/>
+      </UserInfo>
+    </APEditor>
+    <TPInstallLocation xmlns="4873beb7-5857-4685-be1f-d57550cc96cc" xsi:nil="true"/>
+    <OOCacheId xmlns="4873beb7-5857-4685-be1f-d57550cc96cc" xsi:nil="true"/>
+    <IsDeleted xmlns="4873beb7-5857-4685-be1f-d57550cc96cc">false</IsDeleted>
+    <PublishTargets xmlns="4873beb7-5857-4685-be1f-d57550cc96cc">OfficeOnlineVNext</PublishTargets>
+    <ApprovalLog xmlns="4873beb7-5857-4685-be1f-d57550cc96cc" xsi:nil="true"/>
+    <BugNumber xmlns="4873beb7-5857-4685-be1f-d57550cc96cc" xsi:nil="true"/>
+    <CrawlForDependencies xmlns="4873beb7-5857-4685-be1f-d57550cc96cc">false</CrawlForDependencies>
+    <InternalTagsTaxHTField0 xmlns="4873beb7-5857-4685-be1f-d57550cc96cc">
+      <Terms xmlns="http://schemas.microsoft.com/office/infopath/2007/PartnerControls"/>
+    </InternalTagsTaxHTField0>
+    <LastHandOff xmlns="4873beb7-5857-4685-be1f-d57550cc96cc" xsi:nil="true"/>
+    <Milestone xmlns="4873beb7-5857-4685-be1f-d57550cc96cc" xsi:nil="true"/>
+    <OriginalRelease xmlns="4873beb7-5857-4685-be1f-d57550cc96cc">15</OriginalRelease>
+    <RecommendationsModifier xmlns="4873beb7-5857-4685-be1f-d57550cc96cc" xsi:nil="true"/>
+    <ScenarioTagsTaxHTField0 xmlns="4873beb7-5857-4685-be1f-d57550cc96cc">
+      <Terms xmlns="http://schemas.microsoft.com/office/infopath/2007/PartnerControls"/>
+    </ScenarioTagsTaxHTField0>
+    <UANotes xmlns="4873beb7-5857-4685-be1f-d57550cc96cc" xsi:nil="true"/>
+  </documentManagement>
+</p:properties>
+</file>
+
+<file path=customXml/item3.xml><?xml version="1.0" encoding="utf-8"?>
 <ct:contentTypeSchema xmlns:ct="http://schemas.microsoft.com/office/2006/metadata/contentType" xmlns:ma="http://schemas.microsoft.com/office/2006/metadata/properties/metaAttributes" ct:_="" ma:_="" ma:contentTypeName="TemplateFile" ma:contentTypeID="0x0101006EDDDB5EE6D98C44930B742096920B300400F5B6D36B3EF94B4E9A635CDF2A18F5B8" ma:contentTypeVersion="72" ma:contentTypeDescription="Create a new document." ma:contentTypeScope="" ma:versionID="a23e56308344d904b51738559c3d67c9">
   <xsd:schema xmlns:xsd="http://www.w3.org/2001/XMLSchema" xmlns:xs="http://www.w3.org/2001/XMLSchema" xmlns:p="http://schemas.microsoft.com/office/2006/metadata/properties" xmlns:ns2="4873beb7-5857-4685-be1f-d57550cc96cc" targetNamespace="http://schemas.microsoft.com/office/2006/metadata/properties" ma:root="true" ma:fieldsID="cd0908cc4600e77bf5da051303e00c8d" ns2:_="">
     <xsd:import namespace="4873beb7-5857-4685-be1f-d57550cc96cc"/>
@@ -30024,132 +31355,6 @@
 </ct:contentTypeSchema>
 </file>
 
-<file path=customXml/item3.xml><?xml version="1.0" encoding="utf-8"?>
-<p:properties xmlns:p="http://schemas.microsoft.com/office/2006/metadata/properties" xmlns:xsi="http://www.w3.org/2001/XMLSchema-instance" xmlns:pc="http://schemas.microsoft.com/office/infopath/2007/PartnerControls">
-  <documentManagement>
-    <APDescription xmlns="4873beb7-5857-4685-be1f-d57550cc96cc" xsi:nil="true"/>
-    <AssetExpire xmlns="4873beb7-5857-4685-be1f-d57550cc96cc">2029-01-01T08:00:00+00:00</AssetExpire>
-    <CampaignTagsTaxHTField0 xmlns="4873beb7-5857-4685-be1f-d57550cc96cc">
-      <Terms xmlns="http://schemas.microsoft.com/office/infopath/2007/PartnerControls"/>
-    </CampaignTagsTaxHTField0>
-    <IntlLangReviewDate xmlns="4873beb7-5857-4685-be1f-d57550cc96cc" xsi:nil="true"/>
-    <TPFriendlyName xmlns="4873beb7-5857-4685-be1f-d57550cc96cc" xsi:nil="true"/>
-    <IntlLangReview xmlns="4873beb7-5857-4685-be1f-d57550cc96cc">false</IntlLangReview>
-    <LocLastLocAttemptVersionLookup xmlns="4873beb7-5857-4685-be1f-d57550cc96cc">855024</LocLastLocAttemptVersionLookup>
-    <PolicheckWords xmlns="4873beb7-5857-4685-be1f-d57550cc96cc" xsi:nil="true"/>
-    <SubmitterId xmlns="4873beb7-5857-4685-be1f-d57550cc96cc" xsi:nil="true"/>
-    <AcquiredFrom xmlns="4873beb7-5857-4685-be1f-d57550cc96cc">Internal MS</AcquiredFrom>
-    <EditorialStatus xmlns="4873beb7-5857-4685-be1f-d57550cc96cc">Complete</EditorialStatus>
-    <Markets xmlns="4873beb7-5857-4685-be1f-d57550cc96cc"/>
-    <OriginAsset xmlns="4873beb7-5857-4685-be1f-d57550cc96cc" xsi:nil="true"/>
-    <AssetStart xmlns="4873beb7-5857-4685-be1f-d57550cc96cc">2012-08-31T08:50:00+00:00</AssetStart>
-    <FriendlyTitle xmlns="4873beb7-5857-4685-be1f-d57550cc96cc" xsi:nil="true"/>
-    <MarketSpecific xmlns="4873beb7-5857-4685-be1f-d57550cc96cc">false</MarketSpecific>
-    <TPNamespace xmlns="4873beb7-5857-4685-be1f-d57550cc96cc" xsi:nil="true"/>
-    <PublishStatusLookup xmlns="4873beb7-5857-4685-be1f-d57550cc96cc">
-      <Value>1616423</Value>
-    </PublishStatusLookup>
-    <APAuthor xmlns="4873beb7-5857-4685-be1f-d57550cc96cc">
-      <UserInfo>
-        <DisplayName>REDMOND\kristaa</DisplayName>
-        <AccountId>136</AccountId>
-        <AccountType/>
-      </UserInfo>
-    </APAuthor>
-    <TPCommandLine xmlns="4873beb7-5857-4685-be1f-d57550cc96cc" xsi:nil="true"/>
-    <IntlLangReviewer xmlns="4873beb7-5857-4685-be1f-d57550cc96cc" xsi:nil="true"/>
-    <OpenTemplate xmlns="4873beb7-5857-4685-be1f-d57550cc96cc">true</OpenTemplate>
-    <CSXSubmissionDate xmlns="4873beb7-5857-4685-be1f-d57550cc96cc" xsi:nil="true"/>
-    <TaxCatchAll xmlns="4873beb7-5857-4685-be1f-d57550cc96cc"/>
-    <Manager xmlns="4873beb7-5857-4685-be1f-d57550cc96cc" xsi:nil="true"/>
-    <NumericId xmlns="4873beb7-5857-4685-be1f-d57550cc96cc" xsi:nil="true"/>
-    <ParentAssetId xmlns="4873beb7-5857-4685-be1f-d57550cc96cc" xsi:nil="true"/>
-    <OriginalSourceMarket xmlns="4873beb7-5857-4685-be1f-d57550cc96cc" xsi:nil="true"/>
-    <ApprovalStatus xmlns="4873beb7-5857-4685-be1f-d57550cc96cc">InProgress</ApprovalStatus>
-    <TPComponent xmlns="4873beb7-5857-4685-be1f-d57550cc96cc" xsi:nil="true"/>
-    <EditorialTags xmlns="4873beb7-5857-4685-be1f-d57550cc96cc" xsi:nil="true"/>
-    <TPExecutable xmlns="4873beb7-5857-4685-be1f-d57550cc96cc" xsi:nil="true"/>
-    <TPLaunchHelpLink xmlns="4873beb7-5857-4685-be1f-d57550cc96cc" xsi:nil="true"/>
-    <LocComments xmlns="4873beb7-5857-4685-be1f-d57550cc96cc" xsi:nil="true"/>
-    <LocRecommendedHandoff xmlns="4873beb7-5857-4685-be1f-d57550cc96cc" xsi:nil="true"/>
-    <SourceTitle xmlns="4873beb7-5857-4685-be1f-d57550cc96cc" xsi:nil="true"/>
-    <CSXUpdate xmlns="4873beb7-5857-4685-be1f-d57550cc96cc">false</CSXUpdate>
-    <IntlLocPriority xmlns="4873beb7-5857-4685-be1f-d57550cc96cc" xsi:nil="true"/>
-    <UAProjectedTotalWords xmlns="4873beb7-5857-4685-be1f-d57550cc96cc" xsi:nil="true"/>
-    <AssetType xmlns="4873beb7-5857-4685-be1f-d57550cc96cc">TP</AssetType>
-    <MachineTranslated xmlns="4873beb7-5857-4685-be1f-d57550cc96cc">false</MachineTranslated>
-    <OutputCachingOn xmlns="4873beb7-5857-4685-be1f-d57550cc96cc">false</OutputCachingOn>
-    <TemplateStatus xmlns="4873beb7-5857-4685-be1f-d57550cc96cc">Complete</TemplateStatus>
-    <IsSearchable xmlns="4873beb7-5857-4685-be1f-d57550cc96cc">true</IsSearchable>
-    <ContentItem xmlns="4873beb7-5857-4685-be1f-d57550cc96cc" xsi:nil="true"/>
-    <HandoffToMSDN xmlns="4873beb7-5857-4685-be1f-d57550cc96cc" xsi:nil="true"/>
-    <ShowIn xmlns="4873beb7-5857-4685-be1f-d57550cc96cc">Show everywhere</ShowIn>
-    <ThumbnailAssetId xmlns="4873beb7-5857-4685-be1f-d57550cc96cc" xsi:nil="true"/>
-    <UALocComments xmlns="4873beb7-5857-4685-be1f-d57550cc96cc" xsi:nil="true"/>
-    <UALocRecommendation xmlns="4873beb7-5857-4685-be1f-d57550cc96cc">Localize</UALocRecommendation>
-    <LastModifiedDateTime xmlns="4873beb7-5857-4685-be1f-d57550cc96cc" xsi:nil="true"/>
-    <LegacyData xmlns="4873beb7-5857-4685-be1f-d57550cc96cc" xsi:nil="true"/>
-    <LocManualTestRequired xmlns="4873beb7-5857-4685-be1f-d57550cc96cc">false</LocManualTestRequired>
-    <LocMarketGroupTiers2 xmlns="4873beb7-5857-4685-be1f-d57550cc96cc" xsi:nil="true"/>
-    <ClipArtFilename xmlns="4873beb7-5857-4685-be1f-d57550cc96cc" xsi:nil="true"/>
-    <TPApplication xmlns="4873beb7-5857-4685-be1f-d57550cc96cc" xsi:nil="true"/>
-    <CSXHash xmlns="4873beb7-5857-4685-be1f-d57550cc96cc" xsi:nil="true"/>
-    <DirectSourceMarket xmlns="4873beb7-5857-4685-be1f-d57550cc96cc" xsi:nil="true"/>
-    <PrimaryImageGen xmlns="4873beb7-5857-4685-be1f-d57550cc96cc">true</PrimaryImageGen>
-    <PlannedPubDate xmlns="4873beb7-5857-4685-be1f-d57550cc96cc" xsi:nil="true"/>
-    <CSXSubmissionMarket xmlns="4873beb7-5857-4685-be1f-d57550cc96cc" xsi:nil="true"/>
-    <Downloads xmlns="4873beb7-5857-4685-be1f-d57550cc96cc">0</Downloads>
-    <ArtSampleDocs xmlns="4873beb7-5857-4685-be1f-d57550cc96cc" xsi:nil="true"/>
-    <TrustLevel xmlns="4873beb7-5857-4685-be1f-d57550cc96cc">1 Microsoft Managed Content</TrustLevel>
-    <BlockPublish xmlns="4873beb7-5857-4685-be1f-d57550cc96cc">false</BlockPublish>
-    <TPLaunchHelpLinkType xmlns="4873beb7-5857-4685-be1f-d57550cc96cc">Template</TPLaunchHelpLinkType>
-    <LocalizationTagsTaxHTField0 xmlns="4873beb7-5857-4685-be1f-d57550cc96cc">
-      <Terms xmlns="http://schemas.microsoft.com/office/infopath/2007/PartnerControls"/>
-    </LocalizationTagsTaxHTField0>
-    <BusinessGroup xmlns="4873beb7-5857-4685-be1f-d57550cc96cc" xsi:nil="true"/>
-    <Providers xmlns="4873beb7-5857-4685-be1f-d57550cc96cc" xsi:nil="true"/>
-    <TemplateTemplateType xmlns="4873beb7-5857-4685-be1f-d57550cc96cc">PowerPoint Presentation Template</TemplateTemplateType>
-    <TimesCloned xmlns="4873beb7-5857-4685-be1f-d57550cc96cc" xsi:nil="true"/>
-    <TPAppVersion xmlns="4873beb7-5857-4685-be1f-d57550cc96cc" xsi:nil="true"/>
-    <VoteCount xmlns="4873beb7-5857-4685-be1f-d57550cc96cc" xsi:nil="true"/>
-    <AverageRating xmlns="4873beb7-5857-4685-be1f-d57550cc96cc" xsi:nil="true"/>
-    <FeatureTagsTaxHTField0 xmlns="4873beb7-5857-4685-be1f-d57550cc96cc">
-      <Terms xmlns="http://schemas.microsoft.com/office/infopath/2007/PartnerControls"/>
-    </FeatureTagsTaxHTField0>
-    <Provider xmlns="4873beb7-5857-4685-be1f-d57550cc96cc" xsi:nil="true"/>
-    <UACurrentWords xmlns="4873beb7-5857-4685-be1f-d57550cc96cc" xsi:nil="true"/>
-    <AssetId xmlns="4873beb7-5857-4685-be1f-d57550cc96cc">TP103431361</AssetId>
-    <TPClientViewer xmlns="4873beb7-5857-4685-be1f-d57550cc96cc" xsi:nil="true"/>
-    <DSATActionTaken xmlns="4873beb7-5857-4685-be1f-d57550cc96cc" xsi:nil="true"/>
-    <APEditor xmlns="4873beb7-5857-4685-be1f-d57550cc96cc">
-      <UserInfo>
-        <DisplayName/>
-        <AccountId xsi:nil="true"/>
-        <AccountType/>
-      </UserInfo>
-    </APEditor>
-    <TPInstallLocation xmlns="4873beb7-5857-4685-be1f-d57550cc96cc" xsi:nil="true"/>
-    <OOCacheId xmlns="4873beb7-5857-4685-be1f-d57550cc96cc" xsi:nil="true"/>
-    <IsDeleted xmlns="4873beb7-5857-4685-be1f-d57550cc96cc">false</IsDeleted>
-    <PublishTargets xmlns="4873beb7-5857-4685-be1f-d57550cc96cc">OfficeOnlineVNext</PublishTargets>
-    <ApprovalLog xmlns="4873beb7-5857-4685-be1f-d57550cc96cc" xsi:nil="true"/>
-    <BugNumber xmlns="4873beb7-5857-4685-be1f-d57550cc96cc" xsi:nil="true"/>
-    <CrawlForDependencies xmlns="4873beb7-5857-4685-be1f-d57550cc96cc">false</CrawlForDependencies>
-    <InternalTagsTaxHTField0 xmlns="4873beb7-5857-4685-be1f-d57550cc96cc">
-      <Terms xmlns="http://schemas.microsoft.com/office/infopath/2007/PartnerControls"/>
-    </InternalTagsTaxHTField0>
-    <LastHandOff xmlns="4873beb7-5857-4685-be1f-d57550cc96cc" xsi:nil="true"/>
-    <Milestone xmlns="4873beb7-5857-4685-be1f-d57550cc96cc" xsi:nil="true"/>
-    <OriginalRelease xmlns="4873beb7-5857-4685-be1f-d57550cc96cc">15</OriginalRelease>
-    <RecommendationsModifier xmlns="4873beb7-5857-4685-be1f-d57550cc96cc" xsi:nil="true"/>
-    <ScenarioTagsTaxHTField0 xmlns="4873beb7-5857-4685-be1f-d57550cc96cc">
-      <Terms xmlns="http://schemas.microsoft.com/office/infopath/2007/PartnerControls"/>
-    </ScenarioTagsTaxHTField0>
-    <UANotes xmlns="4873beb7-5857-4685-be1f-d57550cc96cc" xsi:nil="true"/>
-  </documentManagement>
-</p:properties>
-</file>
-
 <file path=customXml/itemProps1.xml><?xml version="1.0" encoding="utf-8"?>
 <ds:datastoreItem xmlns:ds="http://schemas.openxmlformats.org/officeDocument/2006/customXml" ds:itemID="{561E720F-F05D-4536-9C34-0CFCED65D3B7}">
   <ds:schemaRefs>
@@ -30159,6 +31364,22 @@
 </file>
 
 <file path=customXml/itemProps2.xml><?xml version="1.0" encoding="utf-8"?>
+<ds:datastoreItem xmlns:ds="http://schemas.openxmlformats.org/officeDocument/2006/customXml" ds:itemID="{8CDDBB83-77C1-4099-A0AA-289882E745E2}">
+  <ds:schemaRefs>
+    <ds:schemaRef ds:uri="http://purl.org/dc/dcmitype/"/>
+    <ds:schemaRef ds:uri="http://purl.org/dc/elements/1.1/"/>
+    <ds:schemaRef ds:uri="4873beb7-5857-4685-be1f-d57550cc96cc"/>
+    <ds:schemaRef ds:uri="http://schemas.microsoft.com/office/2006/metadata/properties"/>
+    <ds:schemaRef ds:uri="http://purl.org/dc/terms/"/>
+    <ds:schemaRef ds:uri="http://schemas.microsoft.com/office/2006/documentManagement/types"/>
+    <ds:schemaRef ds:uri="http://schemas.microsoft.com/office/infopath/2007/PartnerControls"/>
+    <ds:schemaRef ds:uri="http://schemas.openxmlformats.org/package/2006/metadata/core-properties"/>
+    <ds:schemaRef ds:uri="http://www.w3.org/XML/1998/namespace"/>
+  </ds:schemaRefs>
+</ds:datastoreItem>
+</file>
+
+<file path=customXml/itemProps3.xml><?xml version="1.0" encoding="utf-8"?>
 <ds:datastoreItem xmlns:ds="http://schemas.openxmlformats.org/officeDocument/2006/customXml" ds:itemID="{28C8B9CA-0273-4370-889A-FC05DA5C2FA5}">
   <ds:schemaRefs>
     <ds:schemaRef ds:uri="http://schemas.microsoft.com/office/2006/metadata/contentType"/>
@@ -30174,20 +31395,4 @@
     <ds:schemaRef ds:uri="http://schemas.microsoft.com/internal/obd"/>
   </ds:schemaRefs>
 </ds:datastoreItem>
-</file>
-
-<file path=customXml/itemProps3.xml><?xml version="1.0" encoding="utf-8"?>
-<ds:datastoreItem xmlns:ds="http://schemas.openxmlformats.org/officeDocument/2006/customXml" ds:itemID="{8CDDBB83-77C1-4099-A0AA-289882E745E2}">
-  <ds:schemaRefs>
-    <ds:schemaRef ds:uri="http://purl.org/dc/dcmitype/"/>
-    <ds:schemaRef ds:uri="http://purl.org/dc/elements/1.1/"/>
-    <ds:schemaRef ds:uri="4873beb7-5857-4685-be1f-d57550cc96cc"/>
-    <ds:schemaRef ds:uri="http://schemas.microsoft.com/office/2006/metadata/properties"/>
-    <ds:schemaRef ds:uri="http://purl.org/dc/terms/"/>
-    <ds:schemaRef ds:uri="http://schemas.microsoft.com/office/2006/documentManagement/types"/>
-    <ds:schemaRef ds:uri="http://schemas.microsoft.com/office/infopath/2007/PartnerControls"/>
-    <ds:schemaRef ds:uri="http://schemas.openxmlformats.org/package/2006/metadata/core-properties"/>
-    <ds:schemaRef ds:uri="http://www.w3.org/XML/1998/namespace"/>
-  </ds:schemaRefs>
-</ds:datastoreItem>
 </file>
--- a/Docs/intro.pptx
+++ b/Docs/intro.pptx
@@ -18327,7 +18327,7 @@
           <a:p>
             <a:fld id="{23CEAAF3-9831-450B-8D59-2C09DB96C8FC}" type="datetimeFigureOut">
               <a:rPr lang="en-US"/>
-              <a:t>7/22/2021</a:t>
+              <a:t>7/30/2021</a:t>
             </a:fld>
             <a:endParaRPr/>
           </a:p>
@@ -18492,7 +18492,7 @@
           <a:p>
             <a:fld id="{2D50CD79-FC16-4410-AB61-17F26E6D3BC8}" type="datetimeFigureOut">
               <a:rPr lang="en-US"/>
-              <a:t>7/22/2021</a:t>
+              <a:t>7/30/2021</a:t>
             </a:fld>
             <a:endParaRPr/>
           </a:p>
@@ -19386,7 +19386,7 @@
             <a:fld id="{402B9795-92DC-40DC-A1CA-9A4B349D7824}" type="datetimeFigureOut">
               <a:rPr lang="en-US" smtClean="0"/>
               <a:pPr/>
-              <a:t>7/22/2021</a:t>
+              <a:t>7/30/2021</a:t>
             </a:fld>
             <a:endParaRPr lang="en-US" dirty="0"/>
           </a:p>
@@ -19680,7 +19680,7 @@
           <a:p>
             <a:fld id="{402B9795-92DC-40DC-A1CA-9A4B349D7824}" type="datetimeFigureOut">
               <a:rPr lang="en-US"/>
-              <a:t>7/22/2021</a:t>
+              <a:t>7/30/2021</a:t>
             </a:fld>
             <a:endParaRPr/>
           </a:p>
@@ -19862,7 +19862,7 @@
           <a:p>
             <a:fld id="{402B9795-92DC-40DC-A1CA-9A4B349D7824}" type="datetimeFigureOut">
               <a:rPr lang="en-US"/>
-              <a:t>7/22/2021</a:t>
+              <a:t>7/30/2021</a:t>
             </a:fld>
             <a:endParaRPr/>
           </a:p>
@@ -20054,7 +20054,7 @@
           <a:p>
             <a:fld id="{402B9795-92DC-40DC-A1CA-9A4B349D7824}" type="datetimeFigureOut">
               <a:rPr lang="en-US"/>
-              <a:t>7/22/2021</a:t>
+              <a:t>7/30/2021</a:t>
             </a:fld>
             <a:endParaRPr/>
           </a:p>
@@ -20323,7 +20323,7 @@
           <a:p>
             <a:fld id="{402B9795-92DC-40DC-A1CA-9A4B349D7824}" type="datetimeFigureOut">
               <a:rPr lang="en-US"/>
-              <a:t>7/22/2021</a:t>
+              <a:t>7/30/2021</a:t>
             </a:fld>
             <a:endParaRPr/>
           </a:p>
@@ -21352,7 +21352,7 @@
           <a:p>
             <a:fld id="{402B9795-92DC-40DC-A1CA-9A4B349D7824}" type="datetimeFigureOut">
               <a:rPr lang="en-US"/>
-              <a:t>7/22/2021</a:t>
+              <a:t>7/30/2021</a:t>
             </a:fld>
             <a:endParaRPr/>
           </a:p>
@@ -21625,7 +21625,7 @@
           <a:p>
             <a:fld id="{402B9795-92DC-40DC-A1CA-9A4B349D7824}" type="datetimeFigureOut">
               <a:rPr lang="en-US"/>
-              <a:t>7/22/2021</a:t>
+              <a:t>7/30/2021</a:t>
             </a:fld>
             <a:endParaRPr/>
           </a:p>
@@ -22005,7 +22005,7 @@
           <a:p>
             <a:fld id="{402B9795-92DC-40DC-A1CA-9A4B349D7824}" type="datetimeFigureOut">
               <a:rPr lang="en-US"/>
-              <a:t>7/22/2021</a:t>
+              <a:t>7/30/2021</a:t>
             </a:fld>
             <a:endParaRPr/>
           </a:p>
@@ -22135,7 +22135,7 @@
           <a:p>
             <a:fld id="{402B9795-92DC-40DC-A1CA-9A4B349D7824}" type="datetimeFigureOut">
               <a:rPr lang="en-US"/>
-              <a:t>7/22/2021</a:t>
+              <a:t>7/30/2021</a:t>
             </a:fld>
             <a:endParaRPr/>
           </a:p>
@@ -22242,7 +22242,7 @@
           <a:p>
             <a:fld id="{402B9795-92DC-40DC-A1CA-9A4B349D7824}" type="datetimeFigureOut">
               <a:rPr lang="en-US"/>
-              <a:t>7/22/2021</a:t>
+              <a:t>7/30/2021</a:t>
             </a:fld>
             <a:endParaRPr/>
           </a:p>
@@ -22533,7 +22533,7 @@
           <a:p>
             <a:fld id="{402B9795-92DC-40DC-A1CA-9A4B349D7824}" type="datetimeFigureOut">
               <a:rPr lang="en-US"/>
-              <a:t>7/22/2021</a:t>
+              <a:t>7/30/2021</a:t>
             </a:fld>
             <a:endParaRPr/>
           </a:p>
@@ -22759,7 +22759,7 @@
             <a:fld id="{402B9795-92DC-40DC-A1CA-9A4B349D7824}" type="datetimeFigureOut">
               <a:rPr lang="en-US" smtClean="0"/>
               <a:pPr/>
-              <a:t>7/22/2021</a:t>
+              <a:t>7/30/2021</a:t>
             </a:fld>
             <a:endParaRPr lang="en-US"/>
           </a:p>
@@ -23403,7 +23403,7 @@
                 <a:latin typeface="微软雅黑" panose="020B0503020204020204" pitchFamily="34" charset="-122"/>
                 <a:ea typeface="微软雅黑" panose="020B0503020204020204" pitchFamily="34" charset="-122"/>
               </a:rPr>
-              <a:t>内建区块链网络和物联网机制的基础框架，用于开发面向行业的供应链平台应用</a:t>
+              <a:t>内建了区块链网络和物联网机制的基础框架，用于开发面向行业的供应链平台应用</a:t>
             </a:r>
             <a:endParaRPr lang="en-US" altLang="zh-CN" sz="2000" dirty="0">
               <a:latin typeface="微软雅黑" panose="020B0503020204020204" pitchFamily="34" charset="-122"/>
@@ -26352,7 +26352,7 @@
                 <a:latin typeface="微软雅黑" panose="020B0503020204020204" pitchFamily="34" charset="-122"/>
                 <a:ea typeface="微软雅黑" panose="020B0503020204020204" pitchFamily="34" charset="-122"/>
               </a:rPr>
-              <a:t>是指面向某一行业或领域的供应链管理的而搭建的开放型互联网平台，它可以整合处在同一供应链上的各种关键资源和各个参与主体，使之独立，高效，信任，协同地完成各个环节的经营工作</a:t>
+              <a:t>是指面向某一行业或领域的供应链管理而搭建的开放型互联网平台，它可以整合处在同一供应链上的各种关键资源以及参与主体，使之独立，高效，信任，协同地完成各个环节的经营及作业活动</a:t>
             </a:r>
             <a:endParaRPr lang="en-US" sz="1800" dirty="0">
               <a:solidFill>
@@ -26582,7 +26582,7 @@
                 <a:latin typeface="微软雅黑" panose="020B0503020204020204" pitchFamily="34" charset="-122"/>
                 <a:ea typeface="微软雅黑" panose="020B0503020204020204" pitchFamily="34" charset="-122"/>
               </a:rPr>
-              <a:t>供应链具有行业，地域，资源分布的复杂性，中心化的管理平台难以适用；相反，以去中心化的思维，围绕地域来搭建平台节点，整合已有的各类资源，顺势而为，则更具有实操性。地域的节点是独立运营的，也能相互联盟成网，既维护各自的利益及在行业内的平衡，又实现了关键数据的分布共享</a:t>
+              <a:t>供应链具有行业，地域，资源分布的复杂性，中心化的平台思维很不适用；相反，以去中心化的思维，围绕地域来搭建平台节点，整合已有的各类资源，顺势而为，则更具有实操性。地域的节点是独立运营的，且能够相互联盟成网，在保证各自的权益的同时又实现了必要的共享</a:t>
             </a:r>
             <a:endParaRPr lang="en-US" altLang="zh-CN" sz="1800" dirty="0">
               <a:solidFill>
@@ -30190,132 +30190,6 @@
 </file>
 
 <file path=customXml/item2.xml><?xml version="1.0" encoding="utf-8"?>
-<p:properties xmlns:p="http://schemas.microsoft.com/office/2006/metadata/properties" xmlns:xsi="http://www.w3.org/2001/XMLSchema-instance" xmlns:pc="http://schemas.microsoft.com/office/infopath/2007/PartnerControls">
-  <documentManagement>
-    <APDescription xmlns="4873beb7-5857-4685-be1f-d57550cc96cc" xsi:nil="true"/>
-    <AssetExpire xmlns="4873beb7-5857-4685-be1f-d57550cc96cc">2029-01-01T08:00:00+00:00</AssetExpire>
-    <CampaignTagsTaxHTField0 xmlns="4873beb7-5857-4685-be1f-d57550cc96cc">
-      <Terms xmlns="http://schemas.microsoft.com/office/infopath/2007/PartnerControls"/>
-    </CampaignTagsTaxHTField0>
-    <IntlLangReviewDate xmlns="4873beb7-5857-4685-be1f-d57550cc96cc" xsi:nil="true"/>
-    <TPFriendlyName xmlns="4873beb7-5857-4685-be1f-d57550cc96cc" xsi:nil="true"/>
-    <IntlLangReview xmlns="4873beb7-5857-4685-be1f-d57550cc96cc">false</IntlLangReview>
-    <LocLastLocAttemptVersionLookup xmlns="4873beb7-5857-4685-be1f-d57550cc96cc">855024</LocLastLocAttemptVersionLookup>
-    <PolicheckWords xmlns="4873beb7-5857-4685-be1f-d57550cc96cc" xsi:nil="true"/>
-    <SubmitterId xmlns="4873beb7-5857-4685-be1f-d57550cc96cc" xsi:nil="true"/>
-    <AcquiredFrom xmlns="4873beb7-5857-4685-be1f-d57550cc96cc">Internal MS</AcquiredFrom>
-    <EditorialStatus xmlns="4873beb7-5857-4685-be1f-d57550cc96cc">Complete</EditorialStatus>
-    <Markets xmlns="4873beb7-5857-4685-be1f-d57550cc96cc"/>
-    <OriginAsset xmlns="4873beb7-5857-4685-be1f-d57550cc96cc" xsi:nil="true"/>
-    <AssetStart xmlns="4873beb7-5857-4685-be1f-d57550cc96cc">2012-08-31T08:50:00+00:00</AssetStart>
-    <FriendlyTitle xmlns="4873beb7-5857-4685-be1f-d57550cc96cc" xsi:nil="true"/>
-    <MarketSpecific xmlns="4873beb7-5857-4685-be1f-d57550cc96cc">false</MarketSpecific>
-    <TPNamespace xmlns="4873beb7-5857-4685-be1f-d57550cc96cc" xsi:nil="true"/>
-    <PublishStatusLookup xmlns="4873beb7-5857-4685-be1f-d57550cc96cc">
-      <Value>1616423</Value>
-    </PublishStatusLookup>
-    <APAuthor xmlns="4873beb7-5857-4685-be1f-d57550cc96cc">
-      <UserInfo>
-        <DisplayName>REDMOND\kristaa</DisplayName>
-        <AccountId>136</AccountId>
-        <AccountType/>
-      </UserInfo>
-    </APAuthor>
-    <TPCommandLine xmlns="4873beb7-5857-4685-be1f-d57550cc96cc" xsi:nil="true"/>
-    <IntlLangReviewer xmlns="4873beb7-5857-4685-be1f-d57550cc96cc" xsi:nil="true"/>
-    <OpenTemplate xmlns="4873beb7-5857-4685-be1f-d57550cc96cc">true</OpenTemplate>
-    <CSXSubmissionDate xmlns="4873beb7-5857-4685-be1f-d57550cc96cc" xsi:nil="true"/>
-    <TaxCatchAll xmlns="4873beb7-5857-4685-be1f-d57550cc96cc"/>
-    <Manager xmlns="4873beb7-5857-4685-be1f-d57550cc96cc" xsi:nil="true"/>
-    <NumericId xmlns="4873beb7-5857-4685-be1f-d57550cc96cc" xsi:nil="true"/>
-    <ParentAssetId xmlns="4873beb7-5857-4685-be1f-d57550cc96cc" xsi:nil="true"/>
-    <OriginalSourceMarket xmlns="4873beb7-5857-4685-be1f-d57550cc96cc" xsi:nil="true"/>
-    <ApprovalStatus xmlns="4873beb7-5857-4685-be1f-d57550cc96cc">InProgress</ApprovalStatus>
-    <TPComponent xmlns="4873beb7-5857-4685-be1f-d57550cc96cc" xsi:nil="true"/>
-    <EditorialTags xmlns="4873beb7-5857-4685-be1f-d57550cc96cc" xsi:nil="true"/>
-    <TPExecutable xmlns="4873beb7-5857-4685-be1f-d57550cc96cc" xsi:nil="true"/>
-    <TPLaunchHelpLink xmlns="4873beb7-5857-4685-be1f-d57550cc96cc" xsi:nil="true"/>
-    <LocComments xmlns="4873beb7-5857-4685-be1f-d57550cc96cc" xsi:nil="true"/>
-    <LocRecommendedHandoff xmlns="4873beb7-5857-4685-be1f-d57550cc96cc" xsi:nil="true"/>
-    <SourceTitle xmlns="4873beb7-5857-4685-be1f-d57550cc96cc" xsi:nil="true"/>
-    <CSXUpdate xmlns="4873beb7-5857-4685-be1f-d57550cc96cc">false</CSXUpdate>
-    <IntlLocPriority xmlns="4873beb7-5857-4685-be1f-d57550cc96cc" xsi:nil="true"/>
-    <UAProjectedTotalWords xmlns="4873beb7-5857-4685-be1f-d57550cc96cc" xsi:nil="true"/>
-    <AssetType xmlns="4873beb7-5857-4685-be1f-d57550cc96cc">TP</AssetType>
-    <MachineTranslated xmlns="4873beb7-5857-4685-be1f-d57550cc96cc">false</MachineTranslated>
-    <OutputCachingOn xmlns="4873beb7-5857-4685-be1f-d57550cc96cc">false</OutputCachingOn>
-    <TemplateStatus xmlns="4873beb7-5857-4685-be1f-d57550cc96cc">Complete</TemplateStatus>
-    <IsSearchable xmlns="4873beb7-5857-4685-be1f-d57550cc96cc">true</IsSearchable>
-    <ContentItem xmlns="4873beb7-5857-4685-be1f-d57550cc96cc" xsi:nil="true"/>
-    <HandoffToMSDN xmlns="4873beb7-5857-4685-be1f-d57550cc96cc" xsi:nil="true"/>
-    <ShowIn xmlns="4873beb7-5857-4685-be1f-d57550cc96cc">Show everywhere</ShowIn>
-    <ThumbnailAssetId xmlns="4873beb7-5857-4685-be1f-d57550cc96cc" xsi:nil="true"/>
-    <UALocComments xmlns="4873beb7-5857-4685-be1f-d57550cc96cc" xsi:nil="true"/>
-    <UALocRecommendation xmlns="4873beb7-5857-4685-be1f-d57550cc96cc">Localize</UALocRecommendation>
-    <LastModifiedDateTime xmlns="4873beb7-5857-4685-be1f-d57550cc96cc" xsi:nil="true"/>
-    <LegacyData xmlns="4873beb7-5857-4685-be1f-d57550cc96cc" xsi:nil="true"/>
-    <LocManualTestRequired xmlns="4873beb7-5857-4685-be1f-d57550cc96cc">false</LocManualTestRequired>
-    <LocMarketGroupTiers2 xmlns="4873beb7-5857-4685-be1f-d57550cc96cc" xsi:nil="true"/>
-    <ClipArtFilename xmlns="4873beb7-5857-4685-be1f-d57550cc96cc" xsi:nil="true"/>
-    <TPApplication xmlns="4873beb7-5857-4685-be1f-d57550cc96cc" xsi:nil="true"/>
-    <CSXHash xmlns="4873beb7-5857-4685-be1f-d57550cc96cc" xsi:nil="true"/>
-    <DirectSourceMarket xmlns="4873beb7-5857-4685-be1f-d57550cc96cc" xsi:nil="true"/>
-    <PrimaryImageGen xmlns="4873beb7-5857-4685-be1f-d57550cc96cc">true</PrimaryImageGen>
-    <PlannedPubDate xmlns="4873beb7-5857-4685-be1f-d57550cc96cc" xsi:nil="true"/>
-    <CSXSubmissionMarket xmlns="4873beb7-5857-4685-be1f-d57550cc96cc" xsi:nil="true"/>
-    <Downloads xmlns="4873beb7-5857-4685-be1f-d57550cc96cc">0</Downloads>
-    <ArtSampleDocs xmlns="4873beb7-5857-4685-be1f-d57550cc96cc" xsi:nil="true"/>
-    <TrustLevel xmlns="4873beb7-5857-4685-be1f-d57550cc96cc">1 Microsoft Managed Content</TrustLevel>
-    <BlockPublish xmlns="4873beb7-5857-4685-be1f-d57550cc96cc">false</BlockPublish>
-    <TPLaunchHelpLinkType xmlns="4873beb7-5857-4685-be1f-d57550cc96cc">Template</TPLaunchHelpLinkType>
-    <LocalizationTagsTaxHTField0 xmlns="4873beb7-5857-4685-be1f-d57550cc96cc">
-      <Terms xmlns="http://schemas.microsoft.com/office/infopath/2007/PartnerControls"/>
-    </LocalizationTagsTaxHTField0>
-    <BusinessGroup xmlns="4873beb7-5857-4685-be1f-d57550cc96cc" xsi:nil="true"/>
-    <Providers xmlns="4873beb7-5857-4685-be1f-d57550cc96cc" xsi:nil="true"/>
-    <TemplateTemplateType xmlns="4873beb7-5857-4685-be1f-d57550cc96cc">PowerPoint Presentation Template</TemplateTemplateType>
-    <TimesCloned xmlns="4873beb7-5857-4685-be1f-d57550cc96cc" xsi:nil="true"/>
-    <TPAppVersion xmlns="4873beb7-5857-4685-be1f-d57550cc96cc" xsi:nil="true"/>
-    <VoteCount xmlns="4873beb7-5857-4685-be1f-d57550cc96cc" xsi:nil="true"/>
-    <AverageRating xmlns="4873beb7-5857-4685-be1f-d57550cc96cc" xsi:nil="true"/>
-    <FeatureTagsTaxHTField0 xmlns="4873beb7-5857-4685-be1f-d57550cc96cc">
-      <Terms xmlns="http://schemas.microsoft.com/office/infopath/2007/PartnerControls"/>
-    </FeatureTagsTaxHTField0>
-    <Provider xmlns="4873beb7-5857-4685-be1f-d57550cc96cc" xsi:nil="true"/>
-    <UACurrentWords xmlns="4873beb7-5857-4685-be1f-d57550cc96cc" xsi:nil="true"/>
-    <AssetId xmlns="4873beb7-5857-4685-be1f-d57550cc96cc">TP103431361</AssetId>
-    <TPClientViewer xmlns="4873beb7-5857-4685-be1f-d57550cc96cc" xsi:nil="true"/>
-    <DSATActionTaken xmlns="4873beb7-5857-4685-be1f-d57550cc96cc" xsi:nil="true"/>
-    <APEditor xmlns="4873beb7-5857-4685-be1f-d57550cc96cc">
-      <UserInfo>
-        <DisplayName/>
-        <AccountId xsi:nil="true"/>
-        <AccountType/>
-      </UserInfo>
-    </APEditor>
-    <TPInstallLocation xmlns="4873beb7-5857-4685-be1f-d57550cc96cc" xsi:nil="true"/>
-    <OOCacheId xmlns="4873beb7-5857-4685-be1f-d57550cc96cc" xsi:nil="true"/>
-    <IsDeleted xmlns="4873beb7-5857-4685-be1f-d57550cc96cc">false</IsDeleted>
-    <PublishTargets xmlns="4873beb7-5857-4685-be1f-d57550cc96cc">OfficeOnlineVNext</PublishTargets>
-    <ApprovalLog xmlns="4873beb7-5857-4685-be1f-d57550cc96cc" xsi:nil="true"/>
-    <BugNumber xmlns="4873beb7-5857-4685-be1f-d57550cc96cc" xsi:nil="true"/>
-    <CrawlForDependencies xmlns="4873beb7-5857-4685-be1f-d57550cc96cc">false</CrawlForDependencies>
-    <InternalTagsTaxHTField0 xmlns="4873beb7-5857-4685-be1f-d57550cc96cc">
-      <Terms xmlns="http://schemas.microsoft.com/office/infopath/2007/PartnerControls"/>
-    </InternalTagsTaxHTField0>
-    <LastHandOff xmlns="4873beb7-5857-4685-be1f-d57550cc96cc" xsi:nil="true"/>
-    <Milestone xmlns="4873beb7-5857-4685-be1f-d57550cc96cc" xsi:nil="true"/>
-    <OriginalRelease xmlns="4873beb7-5857-4685-be1f-d57550cc96cc">15</OriginalRelease>
-    <RecommendationsModifier xmlns="4873beb7-5857-4685-be1f-d57550cc96cc" xsi:nil="true"/>
-    <ScenarioTagsTaxHTField0 xmlns="4873beb7-5857-4685-be1f-d57550cc96cc">
-      <Terms xmlns="http://schemas.microsoft.com/office/infopath/2007/PartnerControls"/>
-    </ScenarioTagsTaxHTField0>
-    <UANotes xmlns="4873beb7-5857-4685-be1f-d57550cc96cc" xsi:nil="true"/>
-  </documentManagement>
-</p:properties>
-</file>
-
-<file path=customXml/item3.xml><?xml version="1.0" encoding="utf-8"?>
 <ct:contentTypeSchema xmlns:ct="http://schemas.microsoft.com/office/2006/metadata/contentType" xmlns:ma="http://schemas.microsoft.com/office/2006/metadata/properties/metaAttributes" ct:_="" ma:_="" ma:contentTypeName="TemplateFile" ma:contentTypeID="0x0101006EDDDB5EE6D98C44930B742096920B300400F5B6D36B3EF94B4E9A635CDF2A18F5B8" ma:contentTypeVersion="72" ma:contentTypeDescription="Create a new document." ma:contentTypeScope="" ma:versionID="a23e56308344d904b51738559c3d67c9">
   <xsd:schema xmlns:xsd="http://www.w3.org/2001/XMLSchema" xmlns:xs="http://www.w3.org/2001/XMLSchema" xmlns:p="http://schemas.microsoft.com/office/2006/metadata/properties" xmlns:ns2="4873beb7-5857-4685-be1f-d57550cc96cc" targetNamespace="http://schemas.microsoft.com/office/2006/metadata/properties" ma:root="true" ma:fieldsID="cd0908cc4600e77bf5da051303e00c8d" ns2:_="">
     <xsd:import namespace="4873beb7-5857-4685-be1f-d57550cc96cc"/>
@@ -31355,6 +31229,132 @@
 </ct:contentTypeSchema>
 </file>
 
+<file path=customXml/item3.xml><?xml version="1.0" encoding="utf-8"?>
+<p:properties xmlns:p="http://schemas.microsoft.com/office/2006/metadata/properties" xmlns:xsi="http://www.w3.org/2001/XMLSchema-instance" xmlns:pc="http://schemas.microsoft.com/office/infopath/2007/PartnerControls">
+  <documentManagement>
+    <APDescription xmlns="4873beb7-5857-4685-be1f-d57550cc96cc" xsi:nil="true"/>
+    <AssetExpire xmlns="4873beb7-5857-4685-be1f-d57550cc96cc">2029-01-01T08:00:00+00:00</AssetExpire>
+    <CampaignTagsTaxHTField0 xmlns="4873beb7-5857-4685-be1f-d57550cc96cc">
+      <Terms xmlns="http://schemas.microsoft.com/office/infopath/2007/PartnerControls"/>
+    </CampaignTagsTaxHTField0>
+    <IntlLangReviewDate xmlns="4873beb7-5857-4685-be1f-d57550cc96cc" xsi:nil="true"/>
+    <TPFriendlyName xmlns="4873beb7-5857-4685-be1f-d57550cc96cc" xsi:nil="true"/>
+    <IntlLangReview xmlns="4873beb7-5857-4685-be1f-d57550cc96cc">false</IntlLangReview>
+    <LocLastLocAttemptVersionLookup xmlns="4873beb7-5857-4685-be1f-d57550cc96cc">855024</LocLastLocAttemptVersionLookup>
+    <PolicheckWords xmlns="4873beb7-5857-4685-be1f-d57550cc96cc" xsi:nil="true"/>
+    <SubmitterId xmlns="4873beb7-5857-4685-be1f-d57550cc96cc" xsi:nil="true"/>
+    <AcquiredFrom xmlns="4873beb7-5857-4685-be1f-d57550cc96cc">Internal MS</AcquiredFrom>
+    <EditorialStatus xmlns="4873beb7-5857-4685-be1f-d57550cc96cc">Complete</EditorialStatus>
+    <Markets xmlns="4873beb7-5857-4685-be1f-d57550cc96cc"/>
+    <OriginAsset xmlns="4873beb7-5857-4685-be1f-d57550cc96cc" xsi:nil="true"/>
+    <AssetStart xmlns="4873beb7-5857-4685-be1f-d57550cc96cc">2012-08-31T08:50:00+00:00</AssetStart>
+    <FriendlyTitle xmlns="4873beb7-5857-4685-be1f-d57550cc96cc" xsi:nil="true"/>
+    <MarketSpecific xmlns="4873beb7-5857-4685-be1f-d57550cc96cc">false</MarketSpecific>
+    <TPNamespace xmlns="4873beb7-5857-4685-be1f-d57550cc96cc" xsi:nil="true"/>
+    <PublishStatusLookup xmlns="4873beb7-5857-4685-be1f-d57550cc96cc">
+      <Value>1616423</Value>
+    </PublishStatusLookup>
+    <APAuthor xmlns="4873beb7-5857-4685-be1f-d57550cc96cc">
+      <UserInfo>
+        <DisplayName>REDMOND\kristaa</DisplayName>
+        <AccountId>136</AccountId>
+        <AccountType/>
+      </UserInfo>
+    </APAuthor>
+    <TPCommandLine xmlns="4873beb7-5857-4685-be1f-d57550cc96cc" xsi:nil="true"/>
+    <IntlLangReviewer xmlns="4873beb7-5857-4685-be1f-d57550cc96cc" xsi:nil="true"/>
+    <OpenTemplate xmlns="4873beb7-5857-4685-be1f-d57550cc96cc">true</OpenTemplate>
+    <CSXSubmissionDate xmlns="4873beb7-5857-4685-be1f-d57550cc96cc" xsi:nil="true"/>
+    <TaxCatchAll xmlns="4873beb7-5857-4685-be1f-d57550cc96cc"/>
+    <Manager xmlns="4873beb7-5857-4685-be1f-d57550cc96cc" xsi:nil="true"/>
+    <NumericId xmlns="4873beb7-5857-4685-be1f-d57550cc96cc" xsi:nil="true"/>
+    <ParentAssetId xmlns="4873beb7-5857-4685-be1f-d57550cc96cc" xsi:nil="true"/>
+    <OriginalSourceMarket xmlns="4873beb7-5857-4685-be1f-d57550cc96cc" xsi:nil="true"/>
+    <ApprovalStatus xmlns="4873beb7-5857-4685-be1f-d57550cc96cc">InProgress</ApprovalStatus>
+    <TPComponent xmlns="4873beb7-5857-4685-be1f-d57550cc96cc" xsi:nil="true"/>
+    <EditorialTags xmlns="4873beb7-5857-4685-be1f-d57550cc96cc" xsi:nil="true"/>
+    <TPExecutable xmlns="4873beb7-5857-4685-be1f-d57550cc96cc" xsi:nil="true"/>
+    <TPLaunchHelpLink xmlns="4873beb7-5857-4685-be1f-d57550cc96cc" xsi:nil="true"/>
+    <LocComments xmlns="4873beb7-5857-4685-be1f-d57550cc96cc" xsi:nil="true"/>
+    <LocRecommendedHandoff xmlns="4873beb7-5857-4685-be1f-d57550cc96cc" xsi:nil="true"/>
+    <SourceTitle xmlns="4873beb7-5857-4685-be1f-d57550cc96cc" xsi:nil="true"/>
+    <CSXUpdate xmlns="4873beb7-5857-4685-be1f-d57550cc96cc">false</CSXUpdate>
+    <IntlLocPriority xmlns="4873beb7-5857-4685-be1f-d57550cc96cc" xsi:nil="true"/>
+    <UAProjectedTotalWords xmlns="4873beb7-5857-4685-be1f-d57550cc96cc" xsi:nil="true"/>
+    <AssetType xmlns="4873beb7-5857-4685-be1f-d57550cc96cc">TP</AssetType>
+    <MachineTranslated xmlns="4873beb7-5857-4685-be1f-d57550cc96cc">false</MachineTranslated>
+    <OutputCachingOn xmlns="4873beb7-5857-4685-be1f-d57550cc96cc">false</OutputCachingOn>
+    <TemplateStatus xmlns="4873beb7-5857-4685-be1f-d57550cc96cc">Complete</TemplateStatus>
+    <IsSearchable xmlns="4873beb7-5857-4685-be1f-d57550cc96cc">true</IsSearchable>
+    <ContentItem xmlns="4873beb7-5857-4685-be1f-d57550cc96cc" xsi:nil="true"/>
+    <HandoffToMSDN xmlns="4873beb7-5857-4685-be1f-d57550cc96cc" xsi:nil="true"/>
+    <ShowIn xmlns="4873beb7-5857-4685-be1f-d57550cc96cc">Show everywhere</ShowIn>
+    <ThumbnailAssetId xmlns="4873beb7-5857-4685-be1f-d57550cc96cc" xsi:nil="true"/>
+    <UALocComments xmlns="4873beb7-5857-4685-be1f-d57550cc96cc" xsi:nil="true"/>
+    <UALocRecommendation xmlns="4873beb7-5857-4685-be1f-d57550cc96cc">Localize</UALocRecommendation>
+    <LastModifiedDateTime xmlns="4873beb7-5857-4685-be1f-d57550cc96cc" xsi:nil="true"/>
+    <LegacyData xmlns="4873beb7-5857-4685-be1f-d57550cc96cc" xsi:nil="true"/>
+    <LocManualTestRequired xmlns="4873beb7-5857-4685-be1f-d57550cc96cc">false</LocManualTestRequired>
+    <LocMarketGroupTiers2 xmlns="4873beb7-5857-4685-be1f-d57550cc96cc" xsi:nil="true"/>
+    <ClipArtFilename xmlns="4873beb7-5857-4685-be1f-d57550cc96cc" xsi:nil="true"/>
+    <TPApplication xmlns="4873beb7-5857-4685-be1f-d57550cc96cc" xsi:nil="true"/>
+    <CSXHash xmlns="4873beb7-5857-4685-be1f-d57550cc96cc" xsi:nil="true"/>
+    <DirectSourceMarket xmlns="4873beb7-5857-4685-be1f-d57550cc96cc" xsi:nil="true"/>
+    <PrimaryImageGen xmlns="4873beb7-5857-4685-be1f-d57550cc96cc">true</PrimaryImageGen>
+    <PlannedPubDate xmlns="4873beb7-5857-4685-be1f-d57550cc96cc" xsi:nil="true"/>
+    <CSXSubmissionMarket xmlns="4873beb7-5857-4685-be1f-d57550cc96cc" xsi:nil="true"/>
+    <Downloads xmlns="4873beb7-5857-4685-be1f-d57550cc96cc">0</Downloads>
+    <ArtSampleDocs xmlns="4873beb7-5857-4685-be1f-d57550cc96cc" xsi:nil="true"/>
+    <TrustLevel xmlns="4873beb7-5857-4685-be1f-d57550cc96cc">1 Microsoft Managed Content</TrustLevel>
+    <BlockPublish xmlns="4873beb7-5857-4685-be1f-d57550cc96cc">false</BlockPublish>
+    <TPLaunchHelpLinkType xmlns="4873beb7-5857-4685-be1f-d57550cc96cc">Template</TPLaunchHelpLinkType>
+    <LocalizationTagsTaxHTField0 xmlns="4873beb7-5857-4685-be1f-d57550cc96cc">
+      <Terms xmlns="http://schemas.microsoft.com/office/infopath/2007/PartnerControls"/>
+    </LocalizationTagsTaxHTField0>
+    <BusinessGroup xmlns="4873beb7-5857-4685-be1f-d57550cc96cc" xsi:nil="true"/>
+    <Providers xmlns="4873beb7-5857-4685-be1f-d57550cc96cc" xsi:nil="true"/>
+    <TemplateTemplateType xmlns="4873beb7-5857-4685-be1f-d57550cc96cc">PowerPoint Presentation Template</TemplateTemplateType>
+    <TimesCloned xmlns="4873beb7-5857-4685-be1f-d57550cc96cc" xsi:nil="true"/>
+    <TPAppVersion xmlns="4873beb7-5857-4685-be1f-d57550cc96cc" xsi:nil="true"/>
+    <VoteCount xmlns="4873beb7-5857-4685-be1f-d57550cc96cc" xsi:nil="true"/>
+    <AverageRating xmlns="4873beb7-5857-4685-be1f-d57550cc96cc" xsi:nil="true"/>
+    <FeatureTagsTaxHTField0 xmlns="4873beb7-5857-4685-be1f-d57550cc96cc">
+      <Terms xmlns="http://schemas.microsoft.com/office/infopath/2007/PartnerControls"/>
+    </FeatureTagsTaxHTField0>
+    <Provider xmlns="4873beb7-5857-4685-be1f-d57550cc96cc" xsi:nil="true"/>
+    <UACurrentWords xmlns="4873beb7-5857-4685-be1f-d57550cc96cc" xsi:nil="true"/>
+    <AssetId xmlns="4873beb7-5857-4685-be1f-d57550cc96cc">TP103431361</AssetId>
+    <TPClientViewer xmlns="4873beb7-5857-4685-be1f-d57550cc96cc" xsi:nil="true"/>
+    <DSATActionTaken xmlns="4873beb7-5857-4685-be1f-d57550cc96cc" xsi:nil="true"/>
+    <APEditor xmlns="4873beb7-5857-4685-be1f-d57550cc96cc">
+      <UserInfo>
+        <DisplayName/>
+        <AccountId xsi:nil="true"/>
+        <AccountType/>
+      </UserInfo>
+    </APEditor>
+    <TPInstallLocation xmlns="4873beb7-5857-4685-be1f-d57550cc96cc" xsi:nil="true"/>
+    <OOCacheId xmlns="4873beb7-5857-4685-be1f-d57550cc96cc" xsi:nil="true"/>
+    <IsDeleted xmlns="4873beb7-5857-4685-be1f-d57550cc96cc">false</IsDeleted>
+    <PublishTargets xmlns="4873beb7-5857-4685-be1f-d57550cc96cc">OfficeOnlineVNext</PublishTargets>
+    <ApprovalLog xmlns="4873beb7-5857-4685-be1f-d57550cc96cc" xsi:nil="true"/>
+    <BugNumber xmlns="4873beb7-5857-4685-be1f-d57550cc96cc" xsi:nil="true"/>
+    <CrawlForDependencies xmlns="4873beb7-5857-4685-be1f-d57550cc96cc">false</CrawlForDependencies>
+    <InternalTagsTaxHTField0 xmlns="4873beb7-5857-4685-be1f-d57550cc96cc">
+      <Terms xmlns="http://schemas.microsoft.com/office/infopath/2007/PartnerControls"/>
+    </InternalTagsTaxHTField0>
+    <LastHandOff xmlns="4873beb7-5857-4685-be1f-d57550cc96cc" xsi:nil="true"/>
+    <Milestone xmlns="4873beb7-5857-4685-be1f-d57550cc96cc" xsi:nil="true"/>
+    <OriginalRelease xmlns="4873beb7-5857-4685-be1f-d57550cc96cc">15</OriginalRelease>
+    <RecommendationsModifier xmlns="4873beb7-5857-4685-be1f-d57550cc96cc" xsi:nil="true"/>
+    <ScenarioTagsTaxHTField0 xmlns="4873beb7-5857-4685-be1f-d57550cc96cc">
+      <Terms xmlns="http://schemas.microsoft.com/office/infopath/2007/PartnerControls"/>
+    </ScenarioTagsTaxHTField0>
+    <UANotes xmlns="4873beb7-5857-4685-be1f-d57550cc96cc" xsi:nil="true"/>
+  </documentManagement>
+</p:properties>
+</file>
+
 <file path=customXml/itemProps1.xml><?xml version="1.0" encoding="utf-8"?>
 <ds:datastoreItem xmlns:ds="http://schemas.openxmlformats.org/officeDocument/2006/customXml" ds:itemID="{561E720F-F05D-4536-9C34-0CFCED65D3B7}">
   <ds:schemaRefs>
@@ -31364,22 +31364,6 @@
 </file>
 
 <file path=customXml/itemProps2.xml><?xml version="1.0" encoding="utf-8"?>
-<ds:datastoreItem xmlns:ds="http://schemas.openxmlformats.org/officeDocument/2006/customXml" ds:itemID="{8CDDBB83-77C1-4099-A0AA-289882E745E2}">
-  <ds:schemaRefs>
-    <ds:schemaRef ds:uri="http://purl.org/dc/dcmitype/"/>
-    <ds:schemaRef ds:uri="http://purl.org/dc/elements/1.1/"/>
-    <ds:schemaRef ds:uri="4873beb7-5857-4685-be1f-d57550cc96cc"/>
-    <ds:schemaRef ds:uri="http://schemas.microsoft.com/office/2006/metadata/properties"/>
-    <ds:schemaRef ds:uri="http://purl.org/dc/terms/"/>
-    <ds:schemaRef ds:uri="http://schemas.microsoft.com/office/2006/documentManagement/types"/>
-    <ds:schemaRef ds:uri="http://schemas.microsoft.com/office/infopath/2007/PartnerControls"/>
-    <ds:schemaRef ds:uri="http://schemas.openxmlformats.org/package/2006/metadata/core-properties"/>
-    <ds:schemaRef ds:uri="http://www.w3.org/XML/1998/namespace"/>
-  </ds:schemaRefs>
-</ds:datastoreItem>
-</file>
-
-<file path=customXml/itemProps3.xml><?xml version="1.0" encoding="utf-8"?>
 <ds:datastoreItem xmlns:ds="http://schemas.openxmlformats.org/officeDocument/2006/customXml" ds:itemID="{28C8B9CA-0273-4370-889A-FC05DA5C2FA5}">
   <ds:schemaRefs>
     <ds:schemaRef ds:uri="http://schemas.microsoft.com/office/2006/metadata/contentType"/>
@@ -31395,4 +31379,20 @@
     <ds:schemaRef ds:uri="http://schemas.microsoft.com/internal/obd"/>
   </ds:schemaRefs>
 </ds:datastoreItem>
+</file>
+
+<file path=customXml/itemProps3.xml><?xml version="1.0" encoding="utf-8"?>
+<ds:datastoreItem xmlns:ds="http://schemas.openxmlformats.org/officeDocument/2006/customXml" ds:itemID="{8CDDBB83-77C1-4099-A0AA-289882E745E2}">
+  <ds:schemaRefs>
+    <ds:schemaRef ds:uri="http://purl.org/dc/dcmitype/"/>
+    <ds:schemaRef ds:uri="http://purl.org/dc/elements/1.1/"/>
+    <ds:schemaRef ds:uri="4873beb7-5857-4685-be1f-d57550cc96cc"/>
+    <ds:schemaRef ds:uri="http://schemas.microsoft.com/office/2006/metadata/properties"/>
+    <ds:schemaRef ds:uri="http://purl.org/dc/terms/"/>
+    <ds:schemaRef ds:uri="http://schemas.microsoft.com/office/2006/documentManagement/types"/>
+    <ds:schemaRef ds:uri="http://schemas.microsoft.com/office/infopath/2007/PartnerControls"/>
+    <ds:schemaRef ds:uri="http://schemas.openxmlformats.org/package/2006/metadata/core-properties"/>
+    <ds:schemaRef ds:uri="http://www.w3.org/XML/1998/namespace"/>
+  </ds:schemaRefs>
+</ds:datastoreItem>
 </file>